--- a/programming/2017/ch_1_byte.pptx
+++ b/programming/2017/ch_1_byte.pptx
@@ -9132,56 +9132,56 @@
                 <a:gridCol w="829385">
                   <a:extLst>
                     <a:ext uri="{9D8B030D-6E8A-4147-A177-3AD203B41FA5}">
-                      <a16:colId xmlns:a16="http://schemas.microsoft.com/office/drawing/2014/main" xmlns="" val="3437578281"/>
+                      <a16:colId xmlns="" xmlns:a16="http://schemas.microsoft.com/office/drawing/2014/main" val="3437578281"/>
                     </a:ext>
                   </a:extLst>
                 </a:gridCol>
                 <a:gridCol w="829385">
                   <a:extLst>
                     <a:ext uri="{9D8B030D-6E8A-4147-A177-3AD203B41FA5}">
-                      <a16:colId xmlns:a16="http://schemas.microsoft.com/office/drawing/2014/main" xmlns="" val="187010217"/>
+                      <a16:colId xmlns="" xmlns:a16="http://schemas.microsoft.com/office/drawing/2014/main" val="187010217"/>
                     </a:ext>
                   </a:extLst>
                 </a:gridCol>
                 <a:gridCol w="829385">
                   <a:extLst>
                     <a:ext uri="{9D8B030D-6E8A-4147-A177-3AD203B41FA5}">
-                      <a16:colId xmlns:a16="http://schemas.microsoft.com/office/drawing/2014/main" xmlns="" val="36786362"/>
+                      <a16:colId xmlns="" xmlns:a16="http://schemas.microsoft.com/office/drawing/2014/main" val="36786362"/>
                     </a:ext>
                   </a:extLst>
                 </a:gridCol>
                 <a:gridCol w="829385">
                   <a:extLst>
                     <a:ext uri="{9D8B030D-6E8A-4147-A177-3AD203B41FA5}">
-                      <a16:colId xmlns:a16="http://schemas.microsoft.com/office/drawing/2014/main" xmlns="" val="1320773274"/>
+                      <a16:colId xmlns="" xmlns:a16="http://schemas.microsoft.com/office/drawing/2014/main" val="1320773274"/>
                     </a:ext>
                   </a:extLst>
                 </a:gridCol>
                 <a:gridCol w="829385">
                   <a:extLst>
                     <a:ext uri="{9D8B030D-6E8A-4147-A177-3AD203B41FA5}">
-                      <a16:colId xmlns:a16="http://schemas.microsoft.com/office/drawing/2014/main" xmlns="" val="2165596753"/>
+                      <a16:colId xmlns="" xmlns:a16="http://schemas.microsoft.com/office/drawing/2014/main" val="2165596753"/>
                     </a:ext>
                   </a:extLst>
                 </a:gridCol>
                 <a:gridCol w="829385">
                   <a:extLst>
                     <a:ext uri="{9D8B030D-6E8A-4147-A177-3AD203B41FA5}">
-                      <a16:colId xmlns:a16="http://schemas.microsoft.com/office/drawing/2014/main" xmlns="" val="2980757339"/>
+                      <a16:colId xmlns="" xmlns:a16="http://schemas.microsoft.com/office/drawing/2014/main" val="2980757339"/>
                     </a:ext>
                   </a:extLst>
                 </a:gridCol>
                 <a:gridCol w="829385">
                   <a:extLst>
                     <a:ext uri="{9D8B030D-6E8A-4147-A177-3AD203B41FA5}">
-                      <a16:colId xmlns:a16="http://schemas.microsoft.com/office/drawing/2014/main" xmlns="" val="3456044090"/>
+                      <a16:colId xmlns="" xmlns:a16="http://schemas.microsoft.com/office/drawing/2014/main" val="3456044090"/>
                     </a:ext>
                   </a:extLst>
                 </a:gridCol>
                 <a:gridCol w="829385">
                   <a:extLst>
                     <a:ext uri="{9D8B030D-6E8A-4147-A177-3AD203B41FA5}">
-                      <a16:colId xmlns:a16="http://schemas.microsoft.com/office/drawing/2014/main" xmlns="" val="3778878860"/>
+                      <a16:colId xmlns="" xmlns:a16="http://schemas.microsoft.com/office/drawing/2014/main" val="3778878860"/>
                     </a:ext>
                   </a:extLst>
                 </a:gridCol>
@@ -9365,7 +9365,7 @@
                 </a:tc>
                 <a:extLst>
                   <a:ext uri="{0D108BD9-81ED-4DB2-BD59-A6C34878D82A}">
-                    <a16:rowId xmlns:a16="http://schemas.microsoft.com/office/drawing/2014/main" xmlns="" val="1416552582"/>
+                    <a16:rowId xmlns="" xmlns:a16="http://schemas.microsoft.com/office/drawing/2014/main" val="1416552582"/>
                   </a:ext>
                 </a:extLst>
               </a:tr>
@@ -9431,56 +9431,56 @@
                 <a:gridCol w="829385">
                   <a:extLst>
                     <a:ext uri="{9D8B030D-6E8A-4147-A177-3AD203B41FA5}">
-                      <a16:colId xmlns:a16="http://schemas.microsoft.com/office/drawing/2014/main" xmlns="" val="3437578281"/>
+                      <a16:colId xmlns="" xmlns:a16="http://schemas.microsoft.com/office/drawing/2014/main" val="3437578281"/>
                     </a:ext>
                   </a:extLst>
                 </a:gridCol>
                 <a:gridCol w="829385">
                   <a:extLst>
                     <a:ext uri="{9D8B030D-6E8A-4147-A177-3AD203B41FA5}">
-                      <a16:colId xmlns:a16="http://schemas.microsoft.com/office/drawing/2014/main" xmlns="" val="187010217"/>
+                      <a16:colId xmlns="" xmlns:a16="http://schemas.microsoft.com/office/drawing/2014/main" val="187010217"/>
                     </a:ext>
                   </a:extLst>
                 </a:gridCol>
                 <a:gridCol w="829385">
                   <a:extLst>
                     <a:ext uri="{9D8B030D-6E8A-4147-A177-3AD203B41FA5}">
-                      <a16:colId xmlns:a16="http://schemas.microsoft.com/office/drawing/2014/main" xmlns="" val="36786362"/>
+                      <a16:colId xmlns="" xmlns:a16="http://schemas.microsoft.com/office/drawing/2014/main" val="36786362"/>
                     </a:ext>
                   </a:extLst>
                 </a:gridCol>
                 <a:gridCol w="829385">
                   <a:extLst>
                     <a:ext uri="{9D8B030D-6E8A-4147-A177-3AD203B41FA5}">
-                      <a16:colId xmlns:a16="http://schemas.microsoft.com/office/drawing/2014/main" xmlns="" val="1320773274"/>
+                      <a16:colId xmlns="" xmlns:a16="http://schemas.microsoft.com/office/drawing/2014/main" val="1320773274"/>
                     </a:ext>
                   </a:extLst>
                 </a:gridCol>
                 <a:gridCol w="829385">
                   <a:extLst>
                     <a:ext uri="{9D8B030D-6E8A-4147-A177-3AD203B41FA5}">
-                      <a16:colId xmlns:a16="http://schemas.microsoft.com/office/drawing/2014/main" xmlns="" val="2165596753"/>
+                      <a16:colId xmlns="" xmlns:a16="http://schemas.microsoft.com/office/drawing/2014/main" val="2165596753"/>
                     </a:ext>
                   </a:extLst>
                 </a:gridCol>
                 <a:gridCol w="829385">
                   <a:extLst>
                     <a:ext uri="{9D8B030D-6E8A-4147-A177-3AD203B41FA5}">
-                      <a16:colId xmlns:a16="http://schemas.microsoft.com/office/drawing/2014/main" xmlns="" val="2980757339"/>
+                      <a16:colId xmlns="" xmlns:a16="http://schemas.microsoft.com/office/drawing/2014/main" val="2980757339"/>
                     </a:ext>
                   </a:extLst>
                 </a:gridCol>
                 <a:gridCol w="829385">
                   <a:extLst>
                     <a:ext uri="{9D8B030D-6E8A-4147-A177-3AD203B41FA5}">
-                      <a16:colId xmlns:a16="http://schemas.microsoft.com/office/drawing/2014/main" xmlns="" val="3456044090"/>
+                      <a16:colId xmlns="" xmlns:a16="http://schemas.microsoft.com/office/drawing/2014/main" val="3456044090"/>
                     </a:ext>
                   </a:extLst>
                 </a:gridCol>
                 <a:gridCol w="829385">
                   <a:extLst>
                     <a:ext uri="{9D8B030D-6E8A-4147-A177-3AD203B41FA5}">
-                      <a16:colId xmlns:a16="http://schemas.microsoft.com/office/drawing/2014/main" xmlns="" val="3778878860"/>
+                      <a16:colId xmlns="" xmlns:a16="http://schemas.microsoft.com/office/drawing/2014/main" val="3778878860"/>
                     </a:ext>
                   </a:extLst>
                 </a:gridCol>
@@ -9664,7 +9664,7 @@
                 </a:tc>
                 <a:extLst>
                   <a:ext uri="{0D108BD9-81ED-4DB2-BD59-A6C34878D82A}">
-                    <a16:rowId xmlns:a16="http://schemas.microsoft.com/office/drawing/2014/main" xmlns="" val="1416552582"/>
+                    <a16:rowId xmlns="" xmlns:a16="http://schemas.microsoft.com/office/drawing/2014/main" val="1416552582"/>
                   </a:ext>
                 </a:extLst>
               </a:tr>
@@ -9700,56 +9700,56 @@
                 <a:gridCol w="829385">
                   <a:extLst>
                     <a:ext uri="{9D8B030D-6E8A-4147-A177-3AD203B41FA5}">
-                      <a16:colId xmlns:a16="http://schemas.microsoft.com/office/drawing/2014/main" xmlns="" val="3437578281"/>
+                      <a16:colId xmlns="" xmlns:a16="http://schemas.microsoft.com/office/drawing/2014/main" val="3437578281"/>
                     </a:ext>
                   </a:extLst>
                 </a:gridCol>
                 <a:gridCol w="829385">
                   <a:extLst>
                     <a:ext uri="{9D8B030D-6E8A-4147-A177-3AD203B41FA5}">
-                      <a16:colId xmlns:a16="http://schemas.microsoft.com/office/drawing/2014/main" xmlns="" val="187010217"/>
+                      <a16:colId xmlns="" xmlns:a16="http://schemas.microsoft.com/office/drawing/2014/main" val="187010217"/>
                     </a:ext>
                   </a:extLst>
                 </a:gridCol>
                 <a:gridCol w="829385">
                   <a:extLst>
                     <a:ext uri="{9D8B030D-6E8A-4147-A177-3AD203B41FA5}">
-                      <a16:colId xmlns:a16="http://schemas.microsoft.com/office/drawing/2014/main" xmlns="" val="36786362"/>
+                      <a16:colId xmlns="" xmlns:a16="http://schemas.microsoft.com/office/drawing/2014/main" val="36786362"/>
                     </a:ext>
                   </a:extLst>
                 </a:gridCol>
                 <a:gridCol w="829385">
                   <a:extLst>
                     <a:ext uri="{9D8B030D-6E8A-4147-A177-3AD203B41FA5}">
-                      <a16:colId xmlns:a16="http://schemas.microsoft.com/office/drawing/2014/main" xmlns="" val="1320773274"/>
+                      <a16:colId xmlns="" xmlns:a16="http://schemas.microsoft.com/office/drawing/2014/main" val="1320773274"/>
                     </a:ext>
                   </a:extLst>
                 </a:gridCol>
                 <a:gridCol w="829385">
                   <a:extLst>
                     <a:ext uri="{9D8B030D-6E8A-4147-A177-3AD203B41FA5}">
-                      <a16:colId xmlns:a16="http://schemas.microsoft.com/office/drawing/2014/main" xmlns="" val="2165596753"/>
+                      <a16:colId xmlns="" xmlns:a16="http://schemas.microsoft.com/office/drawing/2014/main" val="2165596753"/>
                     </a:ext>
                   </a:extLst>
                 </a:gridCol>
                 <a:gridCol w="829385">
                   <a:extLst>
                     <a:ext uri="{9D8B030D-6E8A-4147-A177-3AD203B41FA5}">
-                      <a16:colId xmlns:a16="http://schemas.microsoft.com/office/drawing/2014/main" xmlns="" val="2980757339"/>
+                      <a16:colId xmlns="" xmlns:a16="http://schemas.microsoft.com/office/drawing/2014/main" val="2980757339"/>
                     </a:ext>
                   </a:extLst>
                 </a:gridCol>
                 <a:gridCol w="829385">
                   <a:extLst>
                     <a:ext uri="{9D8B030D-6E8A-4147-A177-3AD203B41FA5}">
-                      <a16:colId xmlns:a16="http://schemas.microsoft.com/office/drawing/2014/main" xmlns="" val="3456044090"/>
+                      <a16:colId xmlns="" xmlns:a16="http://schemas.microsoft.com/office/drawing/2014/main" val="3456044090"/>
                     </a:ext>
                   </a:extLst>
                 </a:gridCol>
                 <a:gridCol w="829385">
                   <a:extLst>
                     <a:ext uri="{9D8B030D-6E8A-4147-A177-3AD203B41FA5}">
-                      <a16:colId xmlns:a16="http://schemas.microsoft.com/office/drawing/2014/main" xmlns="" val="3778878860"/>
+                      <a16:colId xmlns="" xmlns:a16="http://schemas.microsoft.com/office/drawing/2014/main" val="3778878860"/>
                     </a:ext>
                   </a:extLst>
                 </a:gridCol>
@@ -9933,7 +9933,7 @@
                 </a:tc>
                 <a:extLst>
                   <a:ext uri="{0D108BD9-81ED-4DB2-BD59-A6C34878D82A}">
-                    <a16:rowId xmlns:a16="http://schemas.microsoft.com/office/drawing/2014/main" xmlns="" val="1416552582"/>
+                    <a16:rowId xmlns="" xmlns:a16="http://schemas.microsoft.com/office/drawing/2014/main" val="1416552582"/>
                   </a:ext>
                 </a:extLst>
               </a:tr>
@@ -10053,56 +10053,56 @@
                 <a:gridCol w="829385">
                   <a:extLst>
                     <a:ext uri="{9D8B030D-6E8A-4147-A177-3AD203B41FA5}">
-                      <a16:colId xmlns:a16="http://schemas.microsoft.com/office/drawing/2014/main" xmlns="" val="3437578281"/>
+                      <a16:colId xmlns="" xmlns:a16="http://schemas.microsoft.com/office/drawing/2014/main" val="3437578281"/>
                     </a:ext>
                   </a:extLst>
                 </a:gridCol>
                 <a:gridCol w="829385">
                   <a:extLst>
                     <a:ext uri="{9D8B030D-6E8A-4147-A177-3AD203B41FA5}">
-                      <a16:colId xmlns:a16="http://schemas.microsoft.com/office/drawing/2014/main" xmlns="" val="187010217"/>
+                      <a16:colId xmlns="" xmlns:a16="http://schemas.microsoft.com/office/drawing/2014/main" val="187010217"/>
                     </a:ext>
                   </a:extLst>
                 </a:gridCol>
                 <a:gridCol w="829385">
                   <a:extLst>
                     <a:ext uri="{9D8B030D-6E8A-4147-A177-3AD203B41FA5}">
-                      <a16:colId xmlns:a16="http://schemas.microsoft.com/office/drawing/2014/main" xmlns="" val="36786362"/>
+                      <a16:colId xmlns="" xmlns:a16="http://schemas.microsoft.com/office/drawing/2014/main" val="36786362"/>
                     </a:ext>
                   </a:extLst>
                 </a:gridCol>
                 <a:gridCol w="829385">
                   <a:extLst>
                     <a:ext uri="{9D8B030D-6E8A-4147-A177-3AD203B41FA5}">
-                      <a16:colId xmlns:a16="http://schemas.microsoft.com/office/drawing/2014/main" xmlns="" val="1320773274"/>
+                      <a16:colId xmlns="" xmlns:a16="http://schemas.microsoft.com/office/drawing/2014/main" val="1320773274"/>
                     </a:ext>
                   </a:extLst>
                 </a:gridCol>
                 <a:gridCol w="829385">
                   <a:extLst>
                     <a:ext uri="{9D8B030D-6E8A-4147-A177-3AD203B41FA5}">
-                      <a16:colId xmlns:a16="http://schemas.microsoft.com/office/drawing/2014/main" xmlns="" val="2165596753"/>
+                      <a16:colId xmlns="" xmlns:a16="http://schemas.microsoft.com/office/drawing/2014/main" val="2165596753"/>
                     </a:ext>
                   </a:extLst>
                 </a:gridCol>
                 <a:gridCol w="829385">
                   <a:extLst>
                     <a:ext uri="{9D8B030D-6E8A-4147-A177-3AD203B41FA5}">
-                      <a16:colId xmlns:a16="http://schemas.microsoft.com/office/drawing/2014/main" xmlns="" val="2980757339"/>
+                      <a16:colId xmlns="" xmlns:a16="http://schemas.microsoft.com/office/drawing/2014/main" val="2980757339"/>
                     </a:ext>
                   </a:extLst>
                 </a:gridCol>
                 <a:gridCol w="829385">
                   <a:extLst>
                     <a:ext uri="{9D8B030D-6E8A-4147-A177-3AD203B41FA5}">
-                      <a16:colId xmlns:a16="http://schemas.microsoft.com/office/drawing/2014/main" xmlns="" val="3456044090"/>
+                      <a16:colId xmlns="" xmlns:a16="http://schemas.microsoft.com/office/drawing/2014/main" val="3456044090"/>
                     </a:ext>
                   </a:extLst>
                 </a:gridCol>
                 <a:gridCol w="829385">
                   <a:extLst>
                     <a:ext uri="{9D8B030D-6E8A-4147-A177-3AD203B41FA5}">
-                      <a16:colId xmlns:a16="http://schemas.microsoft.com/office/drawing/2014/main" xmlns="" val="3778878860"/>
+                      <a16:colId xmlns="" xmlns:a16="http://schemas.microsoft.com/office/drawing/2014/main" val="3778878860"/>
                     </a:ext>
                   </a:extLst>
                 </a:gridCol>
@@ -10286,7 +10286,7 @@
                 </a:tc>
                 <a:extLst>
                   <a:ext uri="{0D108BD9-81ED-4DB2-BD59-A6C34878D82A}">
-                    <a16:rowId xmlns:a16="http://schemas.microsoft.com/office/drawing/2014/main" xmlns="" val="1416552582"/>
+                    <a16:rowId xmlns="" xmlns:a16="http://schemas.microsoft.com/office/drawing/2014/main" val="1416552582"/>
                   </a:ext>
                 </a:extLst>
               </a:tr>
@@ -10322,56 +10322,56 @@
                 <a:gridCol w="829385">
                   <a:extLst>
                     <a:ext uri="{9D8B030D-6E8A-4147-A177-3AD203B41FA5}">
-                      <a16:colId xmlns:a16="http://schemas.microsoft.com/office/drawing/2014/main" xmlns="" val="3437578281"/>
+                      <a16:colId xmlns="" xmlns:a16="http://schemas.microsoft.com/office/drawing/2014/main" val="3437578281"/>
                     </a:ext>
                   </a:extLst>
                 </a:gridCol>
                 <a:gridCol w="829385">
                   <a:extLst>
                     <a:ext uri="{9D8B030D-6E8A-4147-A177-3AD203B41FA5}">
-                      <a16:colId xmlns:a16="http://schemas.microsoft.com/office/drawing/2014/main" xmlns="" val="187010217"/>
+                      <a16:colId xmlns="" xmlns:a16="http://schemas.microsoft.com/office/drawing/2014/main" val="187010217"/>
                     </a:ext>
                   </a:extLst>
                 </a:gridCol>
                 <a:gridCol w="829385">
                   <a:extLst>
                     <a:ext uri="{9D8B030D-6E8A-4147-A177-3AD203B41FA5}">
-                      <a16:colId xmlns:a16="http://schemas.microsoft.com/office/drawing/2014/main" xmlns="" val="36786362"/>
+                      <a16:colId xmlns="" xmlns:a16="http://schemas.microsoft.com/office/drawing/2014/main" val="36786362"/>
                     </a:ext>
                   </a:extLst>
                 </a:gridCol>
                 <a:gridCol w="829385">
                   <a:extLst>
                     <a:ext uri="{9D8B030D-6E8A-4147-A177-3AD203B41FA5}">
-                      <a16:colId xmlns:a16="http://schemas.microsoft.com/office/drawing/2014/main" xmlns="" val="1320773274"/>
+                      <a16:colId xmlns="" xmlns:a16="http://schemas.microsoft.com/office/drawing/2014/main" val="1320773274"/>
                     </a:ext>
                   </a:extLst>
                 </a:gridCol>
                 <a:gridCol w="829385">
                   <a:extLst>
                     <a:ext uri="{9D8B030D-6E8A-4147-A177-3AD203B41FA5}">
-                      <a16:colId xmlns:a16="http://schemas.microsoft.com/office/drawing/2014/main" xmlns="" val="2165596753"/>
+                      <a16:colId xmlns="" xmlns:a16="http://schemas.microsoft.com/office/drawing/2014/main" val="2165596753"/>
                     </a:ext>
                   </a:extLst>
                 </a:gridCol>
                 <a:gridCol w="829385">
                   <a:extLst>
                     <a:ext uri="{9D8B030D-6E8A-4147-A177-3AD203B41FA5}">
-                      <a16:colId xmlns:a16="http://schemas.microsoft.com/office/drawing/2014/main" xmlns="" val="2980757339"/>
+                      <a16:colId xmlns="" xmlns:a16="http://schemas.microsoft.com/office/drawing/2014/main" val="2980757339"/>
                     </a:ext>
                   </a:extLst>
                 </a:gridCol>
                 <a:gridCol w="829385">
                   <a:extLst>
                     <a:ext uri="{9D8B030D-6E8A-4147-A177-3AD203B41FA5}">
-                      <a16:colId xmlns:a16="http://schemas.microsoft.com/office/drawing/2014/main" xmlns="" val="3456044090"/>
+                      <a16:colId xmlns="" xmlns:a16="http://schemas.microsoft.com/office/drawing/2014/main" val="3456044090"/>
                     </a:ext>
                   </a:extLst>
                 </a:gridCol>
                 <a:gridCol w="829385">
                   <a:extLst>
                     <a:ext uri="{9D8B030D-6E8A-4147-A177-3AD203B41FA5}">
-                      <a16:colId xmlns:a16="http://schemas.microsoft.com/office/drawing/2014/main" xmlns="" val="3778878860"/>
+                      <a16:colId xmlns="" xmlns:a16="http://schemas.microsoft.com/office/drawing/2014/main" val="3778878860"/>
                     </a:ext>
                   </a:extLst>
                 </a:gridCol>
@@ -10555,7 +10555,7 @@
                 </a:tc>
                 <a:extLst>
                   <a:ext uri="{0D108BD9-81ED-4DB2-BD59-A6C34878D82A}">
-                    <a16:rowId xmlns:a16="http://schemas.microsoft.com/office/drawing/2014/main" xmlns="" val="1416552582"/>
+                    <a16:rowId xmlns="" xmlns:a16="http://schemas.microsoft.com/office/drawing/2014/main" val="1416552582"/>
                   </a:ext>
                 </a:extLst>
               </a:tr>
@@ -10591,56 +10591,56 @@
                 <a:gridCol w="829385">
                   <a:extLst>
                     <a:ext uri="{9D8B030D-6E8A-4147-A177-3AD203B41FA5}">
-                      <a16:colId xmlns:a16="http://schemas.microsoft.com/office/drawing/2014/main" xmlns="" val="3437578281"/>
+                      <a16:colId xmlns="" xmlns:a16="http://schemas.microsoft.com/office/drawing/2014/main" val="3437578281"/>
                     </a:ext>
                   </a:extLst>
                 </a:gridCol>
                 <a:gridCol w="829385">
                   <a:extLst>
                     <a:ext uri="{9D8B030D-6E8A-4147-A177-3AD203B41FA5}">
-                      <a16:colId xmlns:a16="http://schemas.microsoft.com/office/drawing/2014/main" xmlns="" val="187010217"/>
+                      <a16:colId xmlns="" xmlns:a16="http://schemas.microsoft.com/office/drawing/2014/main" val="187010217"/>
                     </a:ext>
                   </a:extLst>
                 </a:gridCol>
                 <a:gridCol w="829385">
                   <a:extLst>
                     <a:ext uri="{9D8B030D-6E8A-4147-A177-3AD203B41FA5}">
-                      <a16:colId xmlns:a16="http://schemas.microsoft.com/office/drawing/2014/main" xmlns="" val="36786362"/>
+                      <a16:colId xmlns="" xmlns:a16="http://schemas.microsoft.com/office/drawing/2014/main" val="36786362"/>
                     </a:ext>
                   </a:extLst>
                 </a:gridCol>
                 <a:gridCol w="829385">
                   <a:extLst>
                     <a:ext uri="{9D8B030D-6E8A-4147-A177-3AD203B41FA5}">
-                      <a16:colId xmlns:a16="http://schemas.microsoft.com/office/drawing/2014/main" xmlns="" val="1320773274"/>
+                      <a16:colId xmlns="" xmlns:a16="http://schemas.microsoft.com/office/drawing/2014/main" val="1320773274"/>
                     </a:ext>
                   </a:extLst>
                 </a:gridCol>
                 <a:gridCol w="829385">
                   <a:extLst>
                     <a:ext uri="{9D8B030D-6E8A-4147-A177-3AD203B41FA5}">
-                      <a16:colId xmlns:a16="http://schemas.microsoft.com/office/drawing/2014/main" xmlns="" val="2165596753"/>
+                      <a16:colId xmlns="" xmlns:a16="http://schemas.microsoft.com/office/drawing/2014/main" val="2165596753"/>
                     </a:ext>
                   </a:extLst>
                 </a:gridCol>
                 <a:gridCol w="829385">
                   <a:extLst>
                     <a:ext uri="{9D8B030D-6E8A-4147-A177-3AD203B41FA5}">
-                      <a16:colId xmlns:a16="http://schemas.microsoft.com/office/drawing/2014/main" xmlns="" val="2980757339"/>
+                      <a16:colId xmlns="" xmlns:a16="http://schemas.microsoft.com/office/drawing/2014/main" val="2980757339"/>
                     </a:ext>
                   </a:extLst>
                 </a:gridCol>
                 <a:gridCol w="829385">
                   <a:extLst>
                     <a:ext uri="{9D8B030D-6E8A-4147-A177-3AD203B41FA5}">
-                      <a16:colId xmlns:a16="http://schemas.microsoft.com/office/drawing/2014/main" xmlns="" val="3456044090"/>
+                      <a16:colId xmlns="" xmlns:a16="http://schemas.microsoft.com/office/drawing/2014/main" val="3456044090"/>
                     </a:ext>
                   </a:extLst>
                 </a:gridCol>
                 <a:gridCol w="829385">
                   <a:extLst>
                     <a:ext uri="{9D8B030D-6E8A-4147-A177-3AD203B41FA5}">
-                      <a16:colId xmlns:a16="http://schemas.microsoft.com/office/drawing/2014/main" xmlns="" val="3778878860"/>
+                      <a16:colId xmlns="" xmlns:a16="http://schemas.microsoft.com/office/drawing/2014/main" val="3778878860"/>
                     </a:ext>
                   </a:extLst>
                 </a:gridCol>
@@ -10824,7 +10824,7 @@
                 </a:tc>
                 <a:extLst>
                   <a:ext uri="{0D108BD9-81ED-4DB2-BD59-A6C34878D82A}">
-                    <a16:rowId xmlns:a16="http://schemas.microsoft.com/office/drawing/2014/main" xmlns="" val="1416552582"/>
+                    <a16:rowId xmlns="" xmlns:a16="http://schemas.microsoft.com/office/drawing/2014/main" val="1416552582"/>
                   </a:ext>
                 </a:extLst>
               </a:tr>
@@ -10914,56 +10914,56 @@
                 <a:gridCol w="829385">
                   <a:extLst>
                     <a:ext uri="{9D8B030D-6E8A-4147-A177-3AD203B41FA5}">
-                      <a16:colId xmlns:a16="http://schemas.microsoft.com/office/drawing/2014/main" xmlns="" val="3437578281"/>
+                      <a16:colId xmlns="" xmlns:a16="http://schemas.microsoft.com/office/drawing/2014/main" val="3437578281"/>
                     </a:ext>
                   </a:extLst>
                 </a:gridCol>
                 <a:gridCol w="829385">
                   <a:extLst>
                     <a:ext uri="{9D8B030D-6E8A-4147-A177-3AD203B41FA5}">
-                      <a16:colId xmlns:a16="http://schemas.microsoft.com/office/drawing/2014/main" xmlns="" val="187010217"/>
+                      <a16:colId xmlns="" xmlns:a16="http://schemas.microsoft.com/office/drawing/2014/main" val="187010217"/>
                     </a:ext>
                   </a:extLst>
                 </a:gridCol>
                 <a:gridCol w="829385">
                   <a:extLst>
                     <a:ext uri="{9D8B030D-6E8A-4147-A177-3AD203B41FA5}">
-                      <a16:colId xmlns:a16="http://schemas.microsoft.com/office/drawing/2014/main" xmlns="" val="36786362"/>
+                      <a16:colId xmlns="" xmlns:a16="http://schemas.microsoft.com/office/drawing/2014/main" val="36786362"/>
                     </a:ext>
                   </a:extLst>
                 </a:gridCol>
                 <a:gridCol w="829385">
                   <a:extLst>
                     <a:ext uri="{9D8B030D-6E8A-4147-A177-3AD203B41FA5}">
-                      <a16:colId xmlns:a16="http://schemas.microsoft.com/office/drawing/2014/main" xmlns="" val="1320773274"/>
+                      <a16:colId xmlns="" xmlns:a16="http://schemas.microsoft.com/office/drawing/2014/main" val="1320773274"/>
                     </a:ext>
                   </a:extLst>
                 </a:gridCol>
                 <a:gridCol w="829385">
                   <a:extLst>
                     <a:ext uri="{9D8B030D-6E8A-4147-A177-3AD203B41FA5}">
-                      <a16:colId xmlns:a16="http://schemas.microsoft.com/office/drawing/2014/main" xmlns="" val="2165596753"/>
+                      <a16:colId xmlns="" xmlns:a16="http://schemas.microsoft.com/office/drawing/2014/main" val="2165596753"/>
                     </a:ext>
                   </a:extLst>
                 </a:gridCol>
                 <a:gridCol w="829385">
                   <a:extLst>
                     <a:ext uri="{9D8B030D-6E8A-4147-A177-3AD203B41FA5}">
-                      <a16:colId xmlns:a16="http://schemas.microsoft.com/office/drawing/2014/main" xmlns="" val="2980757339"/>
+                      <a16:colId xmlns="" xmlns:a16="http://schemas.microsoft.com/office/drawing/2014/main" val="2980757339"/>
                     </a:ext>
                   </a:extLst>
                 </a:gridCol>
                 <a:gridCol w="829385">
                   <a:extLst>
                     <a:ext uri="{9D8B030D-6E8A-4147-A177-3AD203B41FA5}">
-                      <a16:colId xmlns:a16="http://schemas.microsoft.com/office/drawing/2014/main" xmlns="" val="3456044090"/>
+                      <a16:colId xmlns="" xmlns:a16="http://schemas.microsoft.com/office/drawing/2014/main" val="3456044090"/>
                     </a:ext>
                   </a:extLst>
                 </a:gridCol>
                 <a:gridCol w="829385">
                   <a:extLst>
                     <a:ext uri="{9D8B030D-6E8A-4147-A177-3AD203B41FA5}">
-                      <a16:colId xmlns:a16="http://schemas.microsoft.com/office/drawing/2014/main" xmlns="" val="3778878860"/>
+                      <a16:colId xmlns="" xmlns:a16="http://schemas.microsoft.com/office/drawing/2014/main" val="3778878860"/>
                     </a:ext>
                   </a:extLst>
                 </a:gridCol>
@@ -11147,7 +11147,7 @@
                 </a:tc>
                 <a:extLst>
                   <a:ext uri="{0D108BD9-81ED-4DB2-BD59-A6C34878D82A}">
-                    <a16:rowId xmlns:a16="http://schemas.microsoft.com/office/drawing/2014/main" xmlns="" val="1416552582"/>
+                    <a16:rowId xmlns="" xmlns:a16="http://schemas.microsoft.com/office/drawing/2014/main" val="1416552582"/>
                   </a:ext>
                 </a:extLst>
               </a:tr>
@@ -11213,56 +11213,56 @@
                 <a:gridCol w="829385">
                   <a:extLst>
                     <a:ext uri="{9D8B030D-6E8A-4147-A177-3AD203B41FA5}">
-                      <a16:colId xmlns:a16="http://schemas.microsoft.com/office/drawing/2014/main" xmlns="" val="3437578281"/>
+                      <a16:colId xmlns="" xmlns:a16="http://schemas.microsoft.com/office/drawing/2014/main" val="3437578281"/>
                     </a:ext>
                   </a:extLst>
                 </a:gridCol>
                 <a:gridCol w="829385">
                   <a:extLst>
                     <a:ext uri="{9D8B030D-6E8A-4147-A177-3AD203B41FA5}">
-                      <a16:colId xmlns:a16="http://schemas.microsoft.com/office/drawing/2014/main" xmlns="" val="187010217"/>
+                      <a16:colId xmlns="" xmlns:a16="http://schemas.microsoft.com/office/drawing/2014/main" val="187010217"/>
                     </a:ext>
                   </a:extLst>
                 </a:gridCol>
                 <a:gridCol w="829385">
                   <a:extLst>
                     <a:ext uri="{9D8B030D-6E8A-4147-A177-3AD203B41FA5}">
-                      <a16:colId xmlns:a16="http://schemas.microsoft.com/office/drawing/2014/main" xmlns="" val="36786362"/>
+                      <a16:colId xmlns="" xmlns:a16="http://schemas.microsoft.com/office/drawing/2014/main" val="36786362"/>
                     </a:ext>
                   </a:extLst>
                 </a:gridCol>
                 <a:gridCol w="829385">
                   <a:extLst>
                     <a:ext uri="{9D8B030D-6E8A-4147-A177-3AD203B41FA5}">
-                      <a16:colId xmlns:a16="http://schemas.microsoft.com/office/drawing/2014/main" xmlns="" val="1320773274"/>
+                      <a16:colId xmlns="" xmlns:a16="http://schemas.microsoft.com/office/drawing/2014/main" val="1320773274"/>
                     </a:ext>
                   </a:extLst>
                 </a:gridCol>
                 <a:gridCol w="829385">
                   <a:extLst>
                     <a:ext uri="{9D8B030D-6E8A-4147-A177-3AD203B41FA5}">
-                      <a16:colId xmlns:a16="http://schemas.microsoft.com/office/drawing/2014/main" xmlns="" val="2165596753"/>
+                      <a16:colId xmlns="" xmlns:a16="http://schemas.microsoft.com/office/drawing/2014/main" val="2165596753"/>
                     </a:ext>
                   </a:extLst>
                 </a:gridCol>
                 <a:gridCol w="829385">
                   <a:extLst>
                     <a:ext uri="{9D8B030D-6E8A-4147-A177-3AD203B41FA5}">
-                      <a16:colId xmlns:a16="http://schemas.microsoft.com/office/drawing/2014/main" xmlns="" val="2980757339"/>
+                      <a16:colId xmlns="" xmlns:a16="http://schemas.microsoft.com/office/drawing/2014/main" val="2980757339"/>
                     </a:ext>
                   </a:extLst>
                 </a:gridCol>
                 <a:gridCol w="829385">
                   <a:extLst>
                     <a:ext uri="{9D8B030D-6E8A-4147-A177-3AD203B41FA5}">
-                      <a16:colId xmlns:a16="http://schemas.microsoft.com/office/drawing/2014/main" xmlns="" val="3456044090"/>
+                      <a16:colId xmlns="" xmlns:a16="http://schemas.microsoft.com/office/drawing/2014/main" val="3456044090"/>
                     </a:ext>
                   </a:extLst>
                 </a:gridCol>
                 <a:gridCol w="829385">
                   <a:extLst>
                     <a:ext uri="{9D8B030D-6E8A-4147-A177-3AD203B41FA5}">
-                      <a16:colId xmlns:a16="http://schemas.microsoft.com/office/drawing/2014/main" xmlns="" val="3778878860"/>
+                      <a16:colId xmlns="" xmlns:a16="http://schemas.microsoft.com/office/drawing/2014/main" val="3778878860"/>
                     </a:ext>
                   </a:extLst>
                 </a:gridCol>
@@ -11446,7 +11446,7 @@
                 </a:tc>
                 <a:extLst>
                   <a:ext uri="{0D108BD9-81ED-4DB2-BD59-A6C34878D82A}">
-                    <a16:rowId xmlns:a16="http://schemas.microsoft.com/office/drawing/2014/main" xmlns="" val="1416552582"/>
+                    <a16:rowId xmlns="" xmlns:a16="http://schemas.microsoft.com/office/drawing/2014/main" val="1416552582"/>
                   </a:ext>
                 </a:extLst>
               </a:tr>
@@ -11482,56 +11482,56 @@
                 <a:gridCol w="829385">
                   <a:extLst>
                     <a:ext uri="{9D8B030D-6E8A-4147-A177-3AD203B41FA5}">
-                      <a16:colId xmlns:a16="http://schemas.microsoft.com/office/drawing/2014/main" xmlns="" val="3437578281"/>
+                      <a16:colId xmlns="" xmlns:a16="http://schemas.microsoft.com/office/drawing/2014/main" val="3437578281"/>
                     </a:ext>
                   </a:extLst>
                 </a:gridCol>
                 <a:gridCol w="829385">
                   <a:extLst>
                     <a:ext uri="{9D8B030D-6E8A-4147-A177-3AD203B41FA5}">
-                      <a16:colId xmlns:a16="http://schemas.microsoft.com/office/drawing/2014/main" xmlns="" val="187010217"/>
+                      <a16:colId xmlns="" xmlns:a16="http://schemas.microsoft.com/office/drawing/2014/main" val="187010217"/>
                     </a:ext>
                   </a:extLst>
                 </a:gridCol>
                 <a:gridCol w="829385">
                   <a:extLst>
                     <a:ext uri="{9D8B030D-6E8A-4147-A177-3AD203B41FA5}">
-                      <a16:colId xmlns:a16="http://schemas.microsoft.com/office/drawing/2014/main" xmlns="" val="36786362"/>
+                      <a16:colId xmlns="" xmlns:a16="http://schemas.microsoft.com/office/drawing/2014/main" val="36786362"/>
                     </a:ext>
                   </a:extLst>
                 </a:gridCol>
                 <a:gridCol w="829385">
                   <a:extLst>
                     <a:ext uri="{9D8B030D-6E8A-4147-A177-3AD203B41FA5}">
-                      <a16:colId xmlns:a16="http://schemas.microsoft.com/office/drawing/2014/main" xmlns="" val="1320773274"/>
+                      <a16:colId xmlns="" xmlns:a16="http://schemas.microsoft.com/office/drawing/2014/main" val="1320773274"/>
                     </a:ext>
                   </a:extLst>
                 </a:gridCol>
                 <a:gridCol w="829385">
                   <a:extLst>
                     <a:ext uri="{9D8B030D-6E8A-4147-A177-3AD203B41FA5}">
-                      <a16:colId xmlns:a16="http://schemas.microsoft.com/office/drawing/2014/main" xmlns="" val="2165596753"/>
+                      <a16:colId xmlns="" xmlns:a16="http://schemas.microsoft.com/office/drawing/2014/main" val="2165596753"/>
                     </a:ext>
                   </a:extLst>
                 </a:gridCol>
                 <a:gridCol w="829385">
                   <a:extLst>
                     <a:ext uri="{9D8B030D-6E8A-4147-A177-3AD203B41FA5}">
-                      <a16:colId xmlns:a16="http://schemas.microsoft.com/office/drawing/2014/main" xmlns="" val="2980757339"/>
+                      <a16:colId xmlns="" xmlns:a16="http://schemas.microsoft.com/office/drawing/2014/main" val="2980757339"/>
                     </a:ext>
                   </a:extLst>
                 </a:gridCol>
                 <a:gridCol w="829385">
                   <a:extLst>
                     <a:ext uri="{9D8B030D-6E8A-4147-A177-3AD203B41FA5}">
-                      <a16:colId xmlns:a16="http://schemas.microsoft.com/office/drawing/2014/main" xmlns="" val="3456044090"/>
+                      <a16:colId xmlns="" xmlns:a16="http://schemas.microsoft.com/office/drawing/2014/main" val="3456044090"/>
                     </a:ext>
                   </a:extLst>
                 </a:gridCol>
                 <a:gridCol w="829385">
                   <a:extLst>
                     <a:ext uri="{9D8B030D-6E8A-4147-A177-3AD203B41FA5}">
-                      <a16:colId xmlns:a16="http://schemas.microsoft.com/office/drawing/2014/main" xmlns="" val="3778878860"/>
+                      <a16:colId xmlns="" xmlns:a16="http://schemas.microsoft.com/office/drawing/2014/main" val="3778878860"/>
                     </a:ext>
                   </a:extLst>
                 </a:gridCol>
@@ -11715,7 +11715,7 @@
                 </a:tc>
                 <a:extLst>
                   <a:ext uri="{0D108BD9-81ED-4DB2-BD59-A6C34878D82A}">
-                    <a16:rowId xmlns:a16="http://schemas.microsoft.com/office/drawing/2014/main" xmlns="" val="1416552582"/>
+                    <a16:rowId xmlns="" xmlns:a16="http://schemas.microsoft.com/office/drawing/2014/main" val="1416552582"/>
                   </a:ext>
                 </a:extLst>
               </a:tr>
@@ -11835,112 +11835,112 @@
                 <a:gridCol w="514350">
                   <a:extLst>
                     <a:ext uri="{9D8B030D-6E8A-4147-A177-3AD203B41FA5}">
-                      <a16:colId xmlns:a16="http://schemas.microsoft.com/office/drawing/2014/main" xmlns="" val="601574902"/>
+                      <a16:colId xmlns="" xmlns:a16="http://schemas.microsoft.com/office/drawing/2014/main" val="601574902"/>
                     </a:ext>
                   </a:extLst>
                 </a:gridCol>
                 <a:gridCol w="514350">
                   <a:extLst>
                     <a:ext uri="{9D8B030D-6E8A-4147-A177-3AD203B41FA5}">
-                      <a16:colId xmlns:a16="http://schemas.microsoft.com/office/drawing/2014/main" xmlns="" val="2846067191"/>
+                      <a16:colId xmlns="" xmlns:a16="http://schemas.microsoft.com/office/drawing/2014/main" val="2846067191"/>
                     </a:ext>
                   </a:extLst>
                 </a:gridCol>
                 <a:gridCol w="514350">
                   <a:extLst>
                     <a:ext uri="{9D8B030D-6E8A-4147-A177-3AD203B41FA5}">
-                      <a16:colId xmlns:a16="http://schemas.microsoft.com/office/drawing/2014/main" xmlns="" val="1503586529"/>
+                      <a16:colId xmlns="" xmlns:a16="http://schemas.microsoft.com/office/drawing/2014/main" val="1503586529"/>
                     </a:ext>
                   </a:extLst>
                 </a:gridCol>
                 <a:gridCol w="514350">
                   <a:extLst>
                     <a:ext uri="{9D8B030D-6E8A-4147-A177-3AD203B41FA5}">
-                      <a16:colId xmlns:a16="http://schemas.microsoft.com/office/drawing/2014/main" xmlns="" val="3705630474"/>
+                      <a16:colId xmlns="" xmlns:a16="http://schemas.microsoft.com/office/drawing/2014/main" val="3705630474"/>
                     </a:ext>
                   </a:extLst>
                 </a:gridCol>
                 <a:gridCol w="514350">
                   <a:extLst>
                     <a:ext uri="{9D8B030D-6E8A-4147-A177-3AD203B41FA5}">
-                      <a16:colId xmlns:a16="http://schemas.microsoft.com/office/drawing/2014/main" xmlns="" val="1704672984"/>
+                      <a16:colId xmlns="" xmlns:a16="http://schemas.microsoft.com/office/drawing/2014/main" val="1704672984"/>
                     </a:ext>
                   </a:extLst>
                 </a:gridCol>
                 <a:gridCol w="514350">
                   <a:extLst>
                     <a:ext uri="{9D8B030D-6E8A-4147-A177-3AD203B41FA5}">
-                      <a16:colId xmlns:a16="http://schemas.microsoft.com/office/drawing/2014/main" xmlns="" val="3839030486"/>
+                      <a16:colId xmlns="" xmlns:a16="http://schemas.microsoft.com/office/drawing/2014/main" val="3839030486"/>
                     </a:ext>
                   </a:extLst>
                 </a:gridCol>
                 <a:gridCol w="514350">
                   <a:extLst>
                     <a:ext uri="{9D8B030D-6E8A-4147-A177-3AD203B41FA5}">
-                      <a16:colId xmlns:a16="http://schemas.microsoft.com/office/drawing/2014/main" xmlns="" val="2293831763"/>
+                      <a16:colId xmlns="" xmlns:a16="http://schemas.microsoft.com/office/drawing/2014/main" val="2293831763"/>
                     </a:ext>
                   </a:extLst>
                 </a:gridCol>
                 <a:gridCol w="514350">
                   <a:extLst>
                     <a:ext uri="{9D8B030D-6E8A-4147-A177-3AD203B41FA5}">
-                      <a16:colId xmlns:a16="http://schemas.microsoft.com/office/drawing/2014/main" xmlns="" val="176730198"/>
+                      <a16:colId xmlns="" xmlns:a16="http://schemas.microsoft.com/office/drawing/2014/main" val="176730198"/>
                     </a:ext>
                   </a:extLst>
                 </a:gridCol>
                 <a:gridCol w="514350">
                   <a:extLst>
                     <a:ext uri="{9D8B030D-6E8A-4147-A177-3AD203B41FA5}">
-                      <a16:colId xmlns:a16="http://schemas.microsoft.com/office/drawing/2014/main" xmlns="" val="1312910368"/>
+                      <a16:colId xmlns="" xmlns:a16="http://schemas.microsoft.com/office/drawing/2014/main" val="1312910368"/>
                     </a:ext>
                   </a:extLst>
                 </a:gridCol>
                 <a:gridCol w="514350">
                   <a:extLst>
                     <a:ext uri="{9D8B030D-6E8A-4147-A177-3AD203B41FA5}">
-                      <a16:colId xmlns:a16="http://schemas.microsoft.com/office/drawing/2014/main" xmlns="" val="1002210398"/>
+                      <a16:colId xmlns="" xmlns:a16="http://schemas.microsoft.com/office/drawing/2014/main" val="1002210398"/>
                     </a:ext>
                   </a:extLst>
                 </a:gridCol>
                 <a:gridCol w="514350">
                   <a:extLst>
                     <a:ext uri="{9D8B030D-6E8A-4147-A177-3AD203B41FA5}">
-                      <a16:colId xmlns:a16="http://schemas.microsoft.com/office/drawing/2014/main" xmlns="" val="1885794308"/>
+                      <a16:colId xmlns="" xmlns:a16="http://schemas.microsoft.com/office/drawing/2014/main" val="1885794308"/>
                     </a:ext>
                   </a:extLst>
                 </a:gridCol>
                 <a:gridCol w="514350">
                   <a:extLst>
                     <a:ext uri="{9D8B030D-6E8A-4147-A177-3AD203B41FA5}">
-                      <a16:colId xmlns:a16="http://schemas.microsoft.com/office/drawing/2014/main" xmlns="" val="3335182153"/>
+                      <a16:colId xmlns="" xmlns:a16="http://schemas.microsoft.com/office/drawing/2014/main" val="3335182153"/>
                     </a:ext>
                   </a:extLst>
                 </a:gridCol>
                 <a:gridCol w="514350">
                   <a:extLst>
                     <a:ext uri="{9D8B030D-6E8A-4147-A177-3AD203B41FA5}">
-                      <a16:colId xmlns:a16="http://schemas.microsoft.com/office/drawing/2014/main" xmlns="" val="3880682514"/>
+                      <a16:colId xmlns="" xmlns:a16="http://schemas.microsoft.com/office/drawing/2014/main" val="3880682514"/>
                     </a:ext>
                   </a:extLst>
                 </a:gridCol>
                 <a:gridCol w="514350">
                   <a:extLst>
                     <a:ext uri="{9D8B030D-6E8A-4147-A177-3AD203B41FA5}">
-                      <a16:colId xmlns:a16="http://schemas.microsoft.com/office/drawing/2014/main" xmlns="" val="2368602866"/>
+                      <a16:colId xmlns="" xmlns:a16="http://schemas.microsoft.com/office/drawing/2014/main" val="2368602866"/>
                     </a:ext>
                   </a:extLst>
                 </a:gridCol>
                 <a:gridCol w="514350">
                   <a:extLst>
                     <a:ext uri="{9D8B030D-6E8A-4147-A177-3AD203B41FA5}">
-                      <a16:colId xmlns:a16="http://schemas.microsoft.com/office/drawing/2014/main" xmlns="" val="788823076"/>
+                      <a16:colId xmlns="" xmlns:a16="http://schemas.microsoft.com/office/drawing/2014/main" val="788823076"/>
                     </a:ext>
                   </a:extLst>
                 </a:gridCol>
                 <a:gridCol w="514350">
                   <a:extLst>
                     <a:ext uri="{9D8B030D-6E8A-4147-A177-3AD203B41FA5}">
-                      <a16:colId xmlns:a16="http://schemas.microsoft.com/office/drawing/2014/main" xmlns="" val="4043564304"/>
+                      <a16:colId xmlns="" xmlns:a16="http://schemas.microsoft.com/office/drawing/2014/main" val="4043564304"/>
                     </a:ext>
                   </a:extLst>
                 </a:gridCol>
@@ -12177,7 +12177,7 @@
                 </a:tc>
                 <a:extLst>
                   <a:ext uri="{0D108BD9-81ED-4DB2-BD59-A6C34878D82A}">
-                    <a16:rowId xmlns:a16="http://schemas.microsoft.com/office/drawing/2014/main" xmlns="" val="1886067214"/>
+                    <a16:rowId xmlns="" xmlns:a16="http://schemas.microsoft.com/office/drawing/2014/main" val="1886067214"/>
                   </a:ext>
                 </a:extLst>
               </a:tr>
@@ -12213,56 +12213,56 @@
                 <a:gridCol w="1028700">
                   <a:extLst>
                     <a:ext uri="{9D8B030D-6E8A-4147-A177-3AD203B41FA5}">
-                      <a16:colId xmlns:a16="http://schemas.microsoft.com/office/drawing/2014/main" xmlns="" val="2341030600"/>
+                      <a16:colId xmlns="" xmlns:a16="http://schemas.microsoft.com/office/drawing/2014/main" val="2341030600"/>
                     </a:ext>
                   </a:extLst>
                 </a:gridCol>
                 <a:gridCol w="1028700">
                   <a:extLst>
                     <a:ext uri="{9D8B030D-6E8A-4147-A177-3AD203B41FA5}">
-                      <a16:colId xmlns:a16="http://schemas.microsoft.com/office/drawing/2014/main" xmlns="" val="2695945569"/>
+                      <a16:colId xmlns="" xmlns:a16="http://schemas.microsoft.com/office/drawing/2014/main" val="2695945569"/>
                     </a:ext>
                   </a:extLst>
                 </a:gridCol>
                 <a:gridCol w="1028700">
                   <a:extLst>
                     <a:ext uri="{9D8B030D-6E8A-4147-A177-3AD203B41FA5}">
-                      <a16:colId xmlns:a16="http://schemas.microsoft.com/office/drawing/2014/main" xmlns="" val="2314383242"/>
+                      <a16:colId xmlns="" xmlns:a16="http://schemas.microsoft.com/office/drawing/2014/main" val="2314383242"/>
                     </a:ext>
                   </a:extLst>
                 </a:gridCol>
                 <a:gridCol w="1028700">
                   <a:extLst>
                     <a:ext uri="{9D8B030D-6E8A-4147-A177-3AD203B41FA5}">
-                      <a16:colId xmlns:a16="http://schemas.microsoft.com/office/drawing/2014/main" xmlns="" val="1585141340"/>
+                      <a16:colId xmlns="" xmlns:a16="http://schemas.microsoft.com/office/drawing/2014/main" val="1585141340"/>
                     </a:ext>
                   </a:extLst>
                 </a:gridCol>
                 <a:gridCol w="1028700">
                   <a:extLst>
                     <a:ext uri="{9D8B030D-6E8A-4147-A177-3AD203B41FA5}">
-                      <a16:colId xmlns:a16="http://schemas.microsoft.com/office/drawing/2014/main" xmlns="" val="260239907"/>
+                      <a16:colId xmlns="" xmlns:a16="http://schemas.microsoft.com/office/drawing/2014/main" val="260239907"/>
                     </a:ext>
                   </a:extLst>
                 </a:gridCol>
                 <a:gridCol w="1028700">
                   <a:extLst>
                     <a:ext uri="{9D8B030D-6E8A-4147-A177-3AD203B41FA5}">
-                      <a16:colId xmlns:a16="http://schemas.microsoft.com/office/drawing/2014/main" xmlns="" val="1007468395"/>
+                      <a16:colId xmlns="" xmlns:a16="http://schemas.microsoft.com/office/drawing/2014/main" val="1007468395"/>
                     </a:ext>
                   </a:extLst>
                 </a:gridCol>
                 <a:gridCol w="1028700">
                   <a:extLst>
                     <a:ext uri="{9D8B030D-6E8A-4147-A177-3AD203B41FA5}">
-                      <a16:colId xmlns:a16="http://schemas.microsoft.com/office/drawing/2014/main" xmlns="" val="1159402197"/>
+                      <a16:colId xmlns="" xmlns:a16="http://schemas.microsoft.com/office/drawing/2014/main" val="1159402197"/>
                     </a:ext>
                   </a:extLst>
                 </a:gridCol>
                 <a:gridCol w="1028700">
                   <a:extLst>
                     <a:ext uri="{9D8B030D-6E8A-4147-A177-3AD203B41FA5}">
-                      <a16:colId xmlns:a16="http://schemas.microsoft.com/office/drawing/2014/main" xmlns="" val="3540681611"/>
+                      <a16:colId xmlns="" xmlns:a16="http://schemas.microsoft.com/office/drawing/2014/main" val="3540681611"/>
                     </a:ext>
                   </a:extLst>
                 </a:gridCol>
@@ -12394,7 +12394,7 @@
                 </a:tc>
                 <a:extLst>
                   <a:ext uri="{0D108BD9-81ED-4DB2-BD59-A6C34878D82A}">
-                    <a16:rowId xmlns:a16="http://schemas.microsoft.com/office/drawing/2014/main" xmlns="" val="843366571"/>
+                    <a16:rowId xmlns="" xmlns:a16="http://schemas.microsoft.com/office/drawing/2014/main" val="843366571"/>
                   </a:ext>
                 </a:extLst>
               </a:tr>
@@ -12525,7 +12525,7 @@
                 </a:tc>
                 <a:extLst>
                   <a:ext uri="{0D108BD9-81ED-4DB2-BD59-A6C34878D82A}">
-                    <a16:rowId xmlns:a16="http://schemas.microsoft.com/office/drawing/2014/main" xmlns="" val="764746430"/>
+                    <a16:rowId xmlns="" xmlns:a16="http://schemas.microsoft.com/office/drawing/2014/main" val="764746430"/>
                   </a:ext>
                 </a:extLst>
               </a:tr>
@@ -12561,56 +12561,56 @@
                 <a:gridCol w="1028700">
                   <a:extLst>
                     <a:ext uri="{9D8B030D-6E8A-4147-A177-3AD203B41FA5}">
-                      <a16:colId xmlns:a16="http://schemas.microsoft.com/office/drawing/2014/main" xmlns="" val="1425408818"/>
+                      <a16:colId xmlns="" xmlns:a16="http://schemas.microsoft.com/office/drawing/2014/main" val="1425408818"/>
                     </a:ext>
                   </a:extLst>
                 </a:gridCol>
                 <a:gridCol w="1028700">
                   <a:extLst>
                     <a:ext uri="{9D8B030D-6E8A-4147-A177-3AD203B41FA5}">
-                      <a16:colId xmlns:a16="http://schemas.microsoft.com/office/drawing/2014/main" xmlns="" val="3606338539"/>
+                      <a16:colId xmlns="" xmlns:a16="http://schemas.microsoft.com/office/drawing/2014/main" val="3606338539"/>
                     </a:ext>
                   </a:extLst>
                 </a:gridCol>
                 <a:gridCol w="1028700">
                   <a:extLst>
                     <a:ext uri="{9D8B030D-6E8A-4147-A177-3AD203B41FA5}">
-                      <a16:colId xmlns:a16="http://schemas.microsoft.com/office/drawing/2014/main" xmlns="" val="490837090"/>
+                      <a16:colId xmlns="" xmlns:a16="http://schemas.microsoft.com/office/drawing/2014/main" val="490837090"/>
                     </a:ext>
                   </a:extLst>
                 </a:gridCol>
                 <a:gridCol w="1028700">
                   <a:extLst>
                     <a:ext uri="{9D8B030D-6E8A-4147-A177-3AD203B41FA5}">
-                      <a16:colId xmlns:a16="http://schemas.microsoft.com/office/drawing/2014/main" xmlns="" val="3756504525"/>
+                      <a16:colId xmlns="" xmlns:a16="http://schemas.microsoft.com/office/drawing/2014/main" val="3756504525"/>
                     </a:ext>
                   </a:extLst>
                 </a:gridCol>
                 <a:gridCol w="1028700">
                   <a:extLst>
                     <a:ext uri="{9D8B030D-6E8A-4147-A177-3AD203B41FA5}">
-                      <a16:colId xmlns:a16="http://schemas.microsoft.com/office/drawing/2014/main" xmlns="" val="3822628699"/>
+                      <a16:colId xmlns="" xmlns:a16="http://schemas.microsoft.com/office/drawing/2014/main" val="3822628699"/>
                     </a:ext>
                   </a:extLst>
                 </a:gridCol>
                 <a:gridCol w="1028700">
                   <a:extLst>
                     <a:ext uri="{9D8B030D-6E8A-4147-A177-3AD203B41FA5}">
-                      <a16:colId xmlns:a16="http://schemas.microsoft.com/office/drawing/2014/main" xmlns="" val="1982796652"/>
+                      <a16:colId xmlns="" xmlns:a16="http://schemas.microsoft.com/office/drawing/2014/main" val="1982796652"/>
                     </a:ext>
                   </a:extLst>
                 </a:gridCol>
                 <a:gridCol w="1028700">
                   <a:extLst>
                     <a:ext uri="{9D8B030D-6E8A-4147-A177-3AD203B41FA5}">
-                      <a16:colId xmlns:a16="http://schemas.microsoft.com/office/drawing/2014/main" xmlns="" val="4228571626"/>
+                      <a16:colId xmlns="" xmlns:a16="http://schemas.microsoft.com/office/drawing/2014/main" val="4228571626"/>
                     </a:ext>
                   </a:extLst>
                 </a:gridCol>
                 <a:gridCol w="1028700">
                   <a:extLst>
                     <a:ext uri="{9D8B030D-6E8A-4147-A177-3AD203B41FA5}">
-                      <a16:colId xmlns:a16="http://schemas.microsoft.com/office/drawing/2014/main" xmlns="" val="3271843227"/>
+                      <a16:colId xmlns="" xmlns:a16="http://schemas.microsoft.com/office/drawing/2014/main" val="3271843227"/>
                     </a:ext>
                   </a:extLst>
                 </a:gridCol>
@@ -12868,7 +12868,7 @@
                 </a:tc>
                 <a:extLst>
                   <a:ext uri="{0D108BD9-81ED-4DB2-BD59-A6C34878D82A}">
-                    <a16:rowId xmlns:a16="http://schemas.microsoft.com/office/drawing/2014/main" xmlns="" val="897177634"/>
+                    <a16:rowId xmlns="" xmlns:a16="http://schemas.microsoft.com/office/drawing/2014/main" val="897177634"/>
                   </a:ext>
                 </a:extLst>
               </a:tr>
@@ -13019,7 +13019,7 @@
                 </a:tc>
                 <a:extLst>
                   <a:ext uri="{0D108BD9-81ED-4DB2-BD59-A6C34878D82A}">
-                    <a16:rowId xmlns:a16="http://schemas.microsoft.com/office/drawing/2014/main" xmlns="" val="450437712"/>
+                    <a16:rowId xmlns="" xmlns:a16="http://schemas.microsoft.com/office/drawing/2014/main" val="450437712"/>
                   </a:ext>
                 </a:extLst>
               </a:tr>
@@ -13170,7 +13170,7 @@
                 </a:tc>
                 <a:extLst>
                   <a:ext uri="{0D108BD9-81ED-4DB2-BD59-A6C34878D82A}">
-                    <a16:rowId xmlns:a16="http://schemas.microsoft.com/office/drawing/2014/main" xmlns="" val="2038535819"/>
+                    <a16:rowId xmlns="" xmlns:a16="http://schemas.microsoft.com/office/drawing/2014/main" val="2038535819"/>
                   </a:ext>
                 </a:extLst>
               </a:tr>
@@ -13321,7 +13321,7 @@
                 </a:tc>
                 <a:extLst>
                   <a:ext uri="{0D108BD9-81ED-4DB2-BD59-A6C34878D82A}">
-                    <a16:rowId xmlns:a16="http://schemas.microsoft.com/office/drawing/2014/main" xmlns="" val="801491359"/>
+                    <a16:rowId xmlns="" xmlns:a16="http://schemas.microsoft.com/office/drawing/2014/main" val="801491359"/>
                   </a:ext>
                 </a:extLst>
               </a:tr>
@@ -13504,56 +13504,56 @@
                 <a:gridCol w="829385">
                   <a:extLst>
                     <a:ext uri="{9D8B030D-6E8A-4147-A177-3AD203B41FA5}">
-                      <a16:colId xmlns:a16="http://schemas.microsoft.com/office/drawing/2014/main" xmlns="" val="3437578281"/>
+                      <a16:colId xmlns="" xmlns:a16="http://schemas.microsoft.com/office/drawing/2014/main" val="3437578281"/>
                     </a:ext>
                   </a:extLst>
                 </a:gridCol>
                 <a:gridCol w="829385">
                   <a:extLst>
                     <a:ext uri="{9D8B030D-6E8A-4147-A177-3AD203B41FA5}">
-                      <a16:colId xmlns:a16="http://schemas.microsoft.com/office/drawing/2014/main" xmlns="" val="187010217"/>
+                      <a16:colId xmlns="" xmlns:a16="http://schemas.microsoft.com/office/drawing/2014/main" val="187010217"/>
                     </a:ext>
                   </a:extLst>
                 </a:gridCol>
                 <a:gridCol w="829385">
                   <a:extLst>
                     <a:ext uri="{9D8B030D-6E8A-4147-A177-3AD203B41FA5}">
-                      <a16:colId xmlns:a16="http://schemas.microsoft.com/office/drawing/2014/main" xmlns="" val="36786362"/>
+                      <a16:colId xmlns="" xmlns:a16="http://schemas.microsoft.com/office/drawing/2014/main" val="36786362"/>
                     </a:ext>
                   </a:extLst>
                 </a:gridCol>
                 <a:gridCol w="829385">
                   <a:extLst>
                     <a:ext uri="{9D8B030D-6E8A-4147-A177-3AD203B41FA5}">
-                      <a16:colId xmlns:a16="http://schemas.microsoft.com/office/drawing/2014/main" xmlns="" val="1320773274"/>
+                      <a16:colId xmlns="" xmlns:a16="http://schemas.microsoft.com/office/drawing/2014/main" val="1320773274"/>
                     </a:ext>
                   </a:extLst>
                 </a:gridCol>
                 <a:gridCol w="829385">
                   <a:extLst>
                     <a:ext uri="{9D8B030D-6E8A-4147-A177-3AD203B41FA5}">
-                      <a16:colId xmlns:a16="http://schemas.microsoft.com/office/drawing/2014/main" xmlns="" val="2165596753"/>
+                      <a16:colId xmlns="" xmlns:a16="http://schemas.microsoft.com/office/drawing/2014/main" val="2165596753"/>
                     </a:ext>
                   </a:extLst>
                 </a:gridCol>
                 <a:gridCol w="829385">
                   <a:extLst>
                     <a:ext uri="{9D8B030D-6E8A-4147-A177-3AD203B41FA5}">
-                      <a16:colId xmlns:a16="http://schemas.microsoft.com/office/drawing/2014/main" xmlns="" val="2980757339"/>
+                      <a16:colId xmlns="" xmlns:a16="http://schemas.microsoft.com/office/drawing/2014/main" val="2980757339"/>
                     </a:ext>
                   </a:extLst>
                 </a:gridCol>
                 <a:gridCol w="829385">
                   <a:extLst>
                     <a:ext uri="{9D8B030D-6E8A-4147-A177-3AD203B41FA5}">
-                      <a16:colId xmlns:a16="http://schemas.microsoft.com/office/drawing/2014/main" xmlns="" val="3456044090"/>
+                      <a16:colId xmlns="" xmlns:a16="http://schemas.microsoft.com/office/drawing/2014/main" val="3456044090"/>
                     </a:ext>
                   </a:extLst>
                 </a:gridCol>
                 <a:gridCol w="829385">
                   <a:extLst>
                     <a:ext uri="{9D8B030D-6E8A-4147-A177-3AD203B41FA5}">
-                      <a16:colId xmlns:a16="http://schemas.microsoft.com/office/drawing/2014/main" xmlns="" val="3778878860"/>
+                      <a16:colId xmlns="" xmlns:a16="http://schemas.microsoft.com/office/drawing/2014/main" val="3778878860"/>
                     </a:ext>
                   </a:extLst>
                 </a:gridCol>
@@ -13737,7 +13737,7 @@
                 </a:tc>
                 <a:extLst>
                   <a:ext uri="{0D108BD9-81ED-4DB2-BD59-A6C34878D82A}">
-                    <a16:rowId xmlns:a16="http://schemas.microsoft.com/office/drawing/2014/main" xmlns="" val="1416552582"/>
+                    <a16:rowId xmlns="" xmlns:a16="http://schemas.microsoft.com/office/drawing/2014/main" val="1416552582"/>
                   </a:ext>
                 </a:extLst>
               </a:tr>
@@ -13773,56 +13773,56 @@
                 <a:gridCol w="829385">
                   <a:extLst>
                     <a:ext uri="{9D8B030D-6E8A-4147-A177-3AD203B41FA5}">
-                      <a16:colId xmlns:a16="http://schemas.microsoft.com/office/drawing/2014/main" xmlns="" val="3437578281"/>
+                      <a16:colId xmlns="" xmlns:a16="http://schemas.microsoft.com/office/drawing/2014/main" val="3437578281"/>
                     </a:ext>
                   </a:extLst>
                 </a:gridCol>
                 <a:gridCol w="829385">
                   <a:extLst>
                     <a:ext uri="{9D8B030D-6E8A-4147-A177-3AD203B41FA5}">
-                      <a16:colId xmlns:a16="http://schemas.microsoft.com/office/drawing/2014/main" xmlns="" val="187010217"/>
+                      <a16:colId xmlns="" xmlns:a16="http://schemas.microsoft.com/office/drawing/2014/main" val="187010217"/>
                     </a:ext>
                   </a:extLst>
                 </a:gridCol>
                 <a:gridCol w="829385">
                   <a:extLst>
                     <a:ext uri="{9D8B030D-6E8A-4147-A177-3AD203B41FA5}">
-                      <a16:colId xmlns:a16="http://schemas.microsoft.com/office/drawing/2014/main" xmlns="" val="36786362"/>
+                      <a16:colId xmlns="" xmlns:a16="http://schemas.microsoft.com/office/drawing/2014/main" val="36786362"/>
                     </a:ext>
                   </a:extLst>
                 </a:gridCol>
                 <a:gridCol w="829385">
                   <a:extLst>
                     <a:ext uri="{9D8B030D-6E8A-4147-A177-3AD203B41FA5}">
-                      <a16:colId xmlns:a16="http://schemas.microsoft.com/office/drawing/2014/main" xmlns="" val="1320773274"/>
+                      <a16:colId xmlns="" xmlns:a16="http://schemas.microsoft.com/office/drawing/2014/main" val="1320773274"/>
                     </a:ext>
                   </a:extLst>
                 </a:gridCol>
                 <a:gridCol w="829385">
                   <a:extLst>
                     <a:ext uri="{9D8B030D-6E8A-4147-A177-3AD203B41FA5}">
-                      <a16:colId xmlns:a16="http://schemas.microsoft.com/office/drawing/2014/main" xmlns="" val="2165596753"/>
+                      <a16:colId xmlns="" xmlns:a16="http://schemas.microsoft.com/office/drawing/2014/main" val="2165596753"/>
                     </a:ext>
                   </a:extLst>
                 </a:gridCol>
                 <a:gridCol w="829385">
                   <a:extLst>
                     <a:ext uri="{9D8B030D-6E8A-4147-A177-3AD203B41FA5}">
-                      <a16:colId xmlns:a16="http://schemas.microsoft.com/office/drawing/2014/main" xmlns="" val="2980757339"/>
+                      <a16:colId xmlns="" xmlns:a16="http://schemas.microsoft.com/office/drawing/2014/main" val="2980757339"/>
                     </a:ext>
                   </a:extLst>
                 </a:gridCol>
                 <a:gridCol w="829385">
                   <a:extLst>
                     <a:ext uri="{9D8B030D-6E8A-4147-A177-3AD203B41FA5}">
-                      <a16:colId xmlns:a16="http://schemas.microsoft.com/office/drawing/2014/main" xmlns="" val="3456044090"/>
+                      <a16:colId xmlns="" xmlns:a16="http://schemas.microsoft.com/office/drawing/2014/main" val="3456044090"/>
                     </a:ext>
                   </a:extLst>
                 </a:gridCol>
                 <a:gridCol w="829385">
                   <a:extLst>
                     <a:ext uri="{9D8B030D-6E8A-4147-A177-3AD203B41FA5}">
-                      <a16:colId xmlns:a16="http://schemas.microsoft.com/office/drawing/2014/main" xmlns="" val="3778878860"/>
+                      <a16:colId xmlns="" xmlns:a16="http://schemas.microsoft.com/office/drawing/2014/main" val="3778878860"/>
                     </a:ext>
                   </a:extLst>
                 </a:gridCol>
@@ -14006,7 +14006,7 @@
                 </a:tc>
                 <a:extLst>
                   <a:ext uri="{0D108BD9-81ED-4DB2-BD59-A6C34878D82A}">
-                    <a16:rowId xmlns:a16="http://schemas.microsoft.com/office/drawing/2014/main" xmlns="" val="1416552582"/>
+                    <a16:rowId xmlns="" xmlns:a16="http://schemas.microsoft.com/office/drawing/2014/main" val="1416552582"/>
                   </a:ext>
                 </a:extLst>
               </a:tr>
@@ -14042,56 +14042,56 @@
                 <a:gridCol w="829385">
                   <a:extLst>
                     <a:ext uri="{9D8B030D-6E8A-4147-A177-3AD203B41FA5}">
-                      <a16:colId xmlns:a16="http://schemas.microsoft.com/office/drawing/2014/main" xmlns="" val="3437578281"/>
+                      <a16:colId xmlns="" xmlns:a16="http://schemas.microsoft.com/office/drawing/2014/main" val="3437578281"/>
                     </a:ext>
                   </a:extLst>
                 </a:gridCol>
                 <a:gridCol w="829385">
                   <a:extLst>
                     <a:ext uri="{9D8B030D-6E8A-4147-A177-3AD203B41FA5}">
-                      <a16:colId xmlns:a16="http://schemas.microsoft.com/office/drawing/2014/main" xmlns="" val="187010217"/>
+                      <a16:colId xmlns="" xmlns:a16="http://schemas.microsoft.com/office/drawing/2014/main" val="187010217"/>
                     </a:ext>
                   </a:extLst>
                 </a:gridCol>
                 <a:gridCol w="829385">
                   <a:extLst>
                     <a:ext uri="{9D8B030D-6E8A-4147-A177-3AD203B41FA5}">
-                      <a16:colId xmlns:a16="http://schemas.microsoft.com/office/drawing/2014/main" xmlns="" val="36786362"/>
+                      <a16:colId xmlns="" xmlns:a16="http://schemas.microsoft.com/office/drawing/2014/main" val="36786362"/>
                     </a:ext>
                   </a:extLst>
                 </a:gridCol>
                 <a:gridCol w="829385">
                   <a:extLst>
                     <a:ext uri="{9D8B030D-6E8A-4147-A177-3AD203B41FA5}">
-                      <a16:colId xmlns:a16="http://schemas.microsoft.com/office/drawing/2014/main" xmlns="" val="1320773274"/>
+                      <a16:colId xmlns="" xmlns:a16="http://schemas.microsoft.com/office/drawing/2014/main" val="1320773274"/>
                     </a:ext>
                   </a:extLst>
                 </a:gridCol>
                 <a:gridCol w="829385">
                   <a:extLst>
                     <a:ext uri="{9D8B030D-6E8A-4147-A177-3AD203B41FA5}">
-                      <a16:colId xmlns:a16="http://schemas.microsoft.com/office/drawing/2014/main" xmlns="" val="2165596753"/>
+                      <a16:colId xmlns="" xmlns:a16="http://schemas.microsoft.com/office/drawing/2014/main" val="2165596753"/>
                     </a:ext>
                   </a:extLst>
                 </a:gridCol>
                 <a:gridCol w="829385">
                   <a:extLst>
                     <a:ext uri="{9D8B030D-6E8A-4147-A177-3AD203B41FA5}">
-                      <a16:colId xmlns:a16="http://schemas.microsoft.com/office/drawing/2014/main" xmlns="" val="2980757339"/>
+                      <a16:colId xmlns="" xmlns:a16="http://schemas.microsoft.com/office/drawing/2014/main" val="2980757339"/>
                     </a:ext>
                   </a:extLst>
                 </a:gridCol>
                 <a:gridCol w="829385">
                   <a:extLst>
                     <a:ext uri="{9D8B030D-6E8A-4147-A177-3AD203B41FA5}">
-                      <a16:colId xmlns:a16="http://schemas.microsoft.com/office/drawing/2014/main" xmlns="" val="3456044090"/>
+                      <a16:colId xmlns="" xmlns:a16="http://schemas.microsoft.com/office/drawing/2014/main" val="3456044090"/>
                     </a:ext>
                   </a:extLst>
                 </a:gridCol>
                 <a:gridCol w="829385">
                   <a:extLst>
                     <a:ext uri="{9D8B030D-6E8A-4147-A177-3AD203B41FA5}">
-                      <a16:colId xmlns:a16="http://schemas.microsoft.com/office/drawing/2014/main" xmlns="" val="3778878860"/>
+                      <a16:colId xmlns="" xmlns:a16="http://schemas.microsoft.com/office/drawing/2014/main" val="3778878860"/>
                     </a:ext>
                   </a:extLst>
                 </a:gridCol>
@@ -14275,7 +14275,7 @@
                 </a:tc>
                 <a:extLst>
                   <a:ext uri="{0D108BD9-81ED-4DB2-BD59-A6C34878D82A}">
-                    <a16:rowId xmlns:a16="http://schemas.microsoft.com/office/drawing/2014/main" xmlns="" val="1416552582"/>
+                    <a16:rowId xmlns="" xmlns:a16="http://schemas.microsoft.com/office/drawing/2014/main" val="1416552582"/>
                   </a:ext>
                 </a:extLst>
               </a:tr>
@@ -14311,56 +14311,56 @@
                 <a:gridCol w="829385">
                   <a:extLst>
                     <a:ext uri="{9D8B030D-6E8A-4147-A177-3AD203B41FA5}">
-                      <a16:colId xmlns:a16="http://schemas.microsoft.com/office/drawing/2014/main" xmlns="" val="3437578281"/>
+                      <a16:colId xmlns="" xmlns:a16="http://schemas.microsoft.com/office/drawing/2014/main" val="3437578281"/>
                     </a:ext>
                   </a:extLst>
                 </a:gridCol>
                 <a:gridCol w="829385">
                   <a:extLst>
                     <a:ext uri="{9D8B030D-6E8A-4147-A177-3AD203B41FA5}">
-                      <a16:colId xmlns:a16="http://schemas.microsoft.com/office/drawing/2014/main" xmlns="" val="187010217"/>
+                      <a16:colId xmlns="" xmlns:a16="http://schemas.microsoft.com/office/drawing/2014/main" val="187010217"/>
                     </a:ext>
                   </a:extLst>
                 </a:gridCol>
                 <a:gridCol w="829385">
                   <a:extLst>
                     <a:ext uri="{9D8B030D-6E8A-4147-A177-3AD203B41FA5}">
-                      <a16:colId xmlns:a16="http://schemas.microsoft.com/office/drawing/2014/main" xmlns="" val="36786362"/>
+                      <a16:colId xmlns="" xmlns:a16="http://schemas.microsoft.com/office/drawing/2014/main" val="36786362"/>
                     </a:ext>
                   </a:extLst>
                 </a:gridCol>
                 <a:gridCol w="829385">
                   <a:extLst>
                     <a:ext uri="{9D8B030D-6E8A-4147-A177-3AD203B41FA5}">
-                      <a16:colId xmlns:a16="http://schemas.microsoft.com/office/drawing/2014/main" xmlns="" val="1320773274"/>
+                      <a16:colId xmlns="" xmlns:a16="http://schemas.microsoft.com/office/drawing/2014/main" val="1320773274"/>
                     </a:ext>
                   </a:extLst>
                 </a:gridCol>
                 <a:gridCol w="829385">
                   <a:extLst>
                     <a:ext uri="{9D8B030D-6E8A-4147-A177-3AD203B41FA5}">
-                      <a16:colId xmlns:a16="http://schemas.microsoft.com/office/drawing/2014/main" xmlns="" val="2165596753"/>
+                      <a16:colId xmlns="" xmlns:a16="http://schemas.microsoft.com/office/drawing/2014/main" val="2165596753"/>
                     </a:ext>
                   </a:extLst>
                 </a:gridCol>
                 <a:gridCol w="829385">
                   <a:extLst>
                     <a:ext uri="{9D8B030D-6E8A-4147-A177-3AD203B41FA5}">
-                      <a16:colId xmlns:a16="http://schemas.microsoft.com/office/drawing/2014/main" xmlns="" val="2980757339"/>
+                      <a16:colId xmlns="" xmlns:a16="http://schemas.microsoft.com/office/drawing/2014/main" val="2980757339"/>
                     </a:ext>
                   </a:extLst>
                 </a:gridCol>
                 <a:gridCol w="829385">
                   <a:extLst>
                     <a:ext uri="{9D8B030D-6E8A-4147-A177-3AD203B41FA5}">
-                      <a16:colId xmlns:a16="http://schemas.microsoft.com/office/drawing/2014/main" xmlns="" val="3456044090"/>
+                      <a16:colId xmlns="" xmlns:a16="http://schemas.microsoft.com/office/drawing/2014/main" val="3456044090"/>
                     </a:ext>
                   </a:extLst>
                 </a:gridCol>
                 <a:gridCol w="829385">
                   <a:extLst>
                     <a:ext uri="{9D8B030D-6E8A-4147-A177-3AD203B41FA5}">
-                      <a16:colId xmlns:a16="http://schemas.microsoft.com/office/drawing/2014/main" xmlns="" val="3778878860"/>
+                      <a16:colId xmlns="" xmlns:a16="http://schemas.microsoft.com/office/drawing/2014/main" val="3778878860"/>
                     </a:ext>
                   </a:extLst>
                 </a:gridCol>
@@ -14544,7 +14544,7 @@
                 </a:tc>
                 <a:extLst>
                   <a:ext uri="{0D108BD9-81ED-4DB2-BD59-A6C34878D82A}">
-                    <a16:rowId xmlns:a16="http://schemas.microsoft.com/office/drawing/2014/main" xmlns="" val="1416552582"/>
+                    <a16:rowId xmlns="" xmlns:a16="http://schemas.microsoft.com/office/drawing/2014/main" val="1416552582"/>
                   </a:ext>
                 </a:extLst>
               </a:tr>
@@ -14681,7 +14681,7 @@
           <p:nvPr>
             <p:extLst>
               <p:ext uri="{D42A27DB-BD31-4B8C-83A1-F6EECF244321}">
-                <p14:modId xmlns:p14="http://schemas.microsoft.com/office/powerpoint/2010/main" val="2460351035"/>
+                <p14:modId xmlns:p14="http://schemas.microsoft.com/office/powerpoint/2010/main" val="1352676017"/>
               </p:ext>
             </p:extLst>
           </p:nvPr>
@@ -14700,56 +14700,56 @@
                 <a:gridCol w="829385">
                   <a:extLst>
                     <a:ext uri="{9D8B030D-6E8A-4147-A177-3AD203B41FA5}">
-                      <a16:colId xmlns:a16="http://schemas.microsoft.com/office/drawing/2014/main" xmlns="" val="3437578281"/>
+                      <a16:colId xmlns="" xmlns:a16="http://schemas.microsoft.com/office/drawing/2014/main" val="3437578281"/>
                     </a:ext>
                   </a:extLst>
                 </a:gridCol>
                 <a:gridCol w="829385">
                   <a:extLst>
                     <a:ext uri="{9D8B030D-6E8A-4147-A177-3AD203B41FA5}">
-                      <a16:colId xmlns:a16="http://schemas.microsoft.com/office/drawing/2014/main" xmlns="" val="187010217"/>
+                      <a16:colId xmlns="" xmlns:a16="http://schemas.microsoft.com/office/drawing/2014/main" val="187010217"/>
                     </a:ext>
                   </a:extLst>
                 </a:gridCol>
                 <a:gridCol w="829385">
                   <a:extLst>
                     <a:ext uri="{9D8B030D-6E8A-4147-A177-3AD203B41FA5}">
-                      <a16:colId xmlns:a16="http://schemas.microsoft.com/office/drawing/2014/main" xmlns="" val="36786362"/>
+                      <a16:colId xmlns="" xmlns:a16="http://schemas.microsoft.com/office/drawing/2014/main" val="36786362"/>
                     </a:ext>
                   </a:extLst>
                 </a:gridCol>
                 <a:gridCol w="829385">
                   <a:extLst>
                     <a:ext uri="{9D8B030D-6E8A-4147-A177-3AD203B41FA5}">
-                      <a16:colId xmlns:a16="http://schemas.microsoft.com/office/drawing/2014/main" xmlns="" val="1320773274"/>
+                      <a16:colId xmlns="" xmlns:a16="http://schemas.microsoft.com/office/drawing/2014/main" val="1320773274"/>
                     </a:ext>
                   </a:extLst>
                 </a:gridCol>
                 <a:gridCol w="829385">
                   <a:extLst>
                     <a:ext uri="{9D8B030D-6E8A-4147-A177-3AD203B41FA5}">
-                      <a16:colId xmlns:a16="http://schemas.microsoft.com/office/drawing/2014/main" xmlns="" val="2165596753"/>
+                      <a16:colId xmlns="" xmlns:a16="http://schemas.microsoft.com/office/drawing/2014/main" val="2165596753"/>
                     </a:ext>
                   </a:extLst>
                 </a:gridCol>
                 <a:gridCol w="829385">
                   <a:extLst>
                     <a:ext uri="{9D8B030D-6E8A-4147-A177-3AD203B41FA5}">
-                      <a16:colId xmlns:a16="http://schemas.microsoft.com/office/drawing/2014/main" xmlns="" val="2980757339"/>
+                      <a16:colId xmlns="" xmlns:a16="http://schemas.microsoft.com/office/drawing/2014/main" val="2980757339"/>
                     </a:ext>
                   </a:extLst>
                 </a:gridCol>
                 <a:gridCol w="829385">
                   <a:extLst>
                     <a:ext uri="{9D8B030D-6E8A-4147-A177-3AD203B41FA5}">
-                      <a16:colId xmlns:a16="http://schemas.microsoft.com/office/drawing/2014/main" xmlns="" val="3456044090"/>
+                      <a16:colId xmlns="" xmlns:a16="http://schemas.microsoft.com/office/drawing/2014/main" val="3456044090"/>
                     </a:ext>
                   </a:extLst>
                 </a:gridCol>
                 <a:gridCol w="829385">
                   <a:extLst>
                     <a:ext uri="{9D8B030D-6E8A-4147-A177-3AD203B41FA5}">
-                      <a16:colId xmlns:a16="http://schemas.microsoft.com/office/drawing/2014/main" xmlns="" val="3778878860"/>
+                      <a16:colId xmlns="" xmlns:a16="http://schemas.microsoft.com/office/drawing/2014/main" val="3778878860"/>
                     </a:ext>
                   </a:extLst>
                 </a:gridCol>
@@ -14788,7 +14788,7 @@
                             <a:srgbClr val="92D050"/>
                           </a:solidFill>
                         </a:rPr>
-                        <a:t>1</a:t>
+                        <a:t>0</a:t>
                       </a:r>
                       <a:endParaRPr lang="zh-CN" altLang="en-US" dirty="0">
                         <a:solidFill>
@@ -14933,7 +14933,7 @@
                 </a:tc>
                 <a:extLst>
                   <a:ext uri="{0D108BD9-81ED-4DB2-BD59-A6C34878D82A}">
-                    <a16:rowId xmlns:a16="http://schemas.microsoft.com/office/drawing/2014/main" xmlns="" val="1416552582"/>
+                    <a16:rowId xmlns="" xmlns:a16="http://schemas.microsoft.com/office/drawing/2014/main" val="1416552582"/>
                   </a:ext>
                 </a:extLst>
               </a:tr>
@@ -16929,28 +16929,28 @@
                 <a:gridCol w="2301923">
                   <a:extLst>
                     <a:ext uri="{9D8B030D-6E8A-4147-A177-3AD203B41FA5}">
-                      <a16:colId xmlns:a16="http://schemas.microsoft.com/office/drawing/2014/main" xmlns="" val="698582257"/>
+                      <a16:colId xmlns="" xmlns:a16="http://schemas.microsoft.com/office/drawing/2014/main" val="698582257"/>
                     </a:ext>
                   </a:extLst>
                 </a:gridCol>
                 <a:gridCol w="1698521">
                   <a:extLst>
                     <a:ext uri="{9D8B030D-6E8A-4147-A177-3AD203B41FA5}">
-                      <a16:colId xmlns:a16="http://schemas.microsoft.com/office/drawing/2014/main" xmlns="" val="3119750290"/>
+                      <a16:colId xmlns="" xmlns:a16="http://schemas.microsoft.com/office/drawing/2014/main" val="3119750290"/>
                     </a:ext>
                   </a:extLst>
                 </a:gridCol>
                 <a:gridCol w="1436827">
                   <a:extLst>
                     <a:ext uri="{9D8B030D-6E8A-4147-A177-3AD203B41FA5}">
-                      <a16:colId xmlns:a16="http://schemas.microsoft.com/office/drawing/2014/main" xmlns="" val="1385122750"/>
+                      <a16:colId xmlns="" xmlns:a16="http://schemas.microsoft.com/office/drawing/2014/main" val="1385122750"/>
                     </a:ext>
                   </a:extLst>
                 </a:gridCol>
                 <a:gridCol w="3203690">
                   <a:extLst>
                     <a:ext uri="{9D8B030D-6E8A-4147-A177-3AD203B41FA5}">
-                      <a16:colId xmlns:a16="http://schemas.microsoft.com/office/drawing/2014/main" xmlns="" val="4265588463"/>
+                      <a16:colId xmlns="" xmlns:a16="http://schemas.microsoft.com/office/drawing/2014/main" val="4265588463"/>
                     </a:ext>
                   </a:extLst>
                 </a:gridCol>
@@ -17970,7 +17970,7 @@
                 </a:tc>
                 <a:extLst>
                   <a:ext uri="{0D108BD9-81ED-4DB2-BD59-A6C34878D82A}">
-                    <a16:rowId xmlns:a16="http://schemas.microsoft.com/office/drawing/2014/main" xmlns="" val="739761012"/>
+                    <a16:rowId xmlns="" xmlns:a16="http://schemas.microsoft.com/office/drawing/2014/main" val="739761012"/>
                   </a:ext>
                 </a:extLst>
               </a:tr>
@@ -19003,7 +19003,7 @@
                 </a:tc>
                 <a:extLst>
                   <a:ext uri="{0D108BD9-81ED-4DB2-BD59-A6C34878D82A}">
-                    <a16:rowId xmlns:a16="http://schemas.microsoft.com/office/drawing/2014/main" xmlns="" val="2671796441"/>
+                    <a16:rowId xmlns="" xmlns:a16="http://schemas.microsoft.com/office/drawing/2014/main" val="2671796441"/>
                   </a:ext>
                 </a:extLst>
               </a:tr>
@@ -20018,7 +20018,7 @@
                 </a:tc>
                 <a:extLst>
                   <a:ext uri="{0D108BD9-81ED-4DB2-BD59-A6C34878D82A}">
-                    <a16:rowId xmlns:a16="http://schemas.microsoft.com/office/drawing/2014/main" xmlns="" val="1361652667"/>
+                    <a16:rowId xmlns="" xmlns:a16="http://schemas.microsoft.com/office/drawing/2014/main" val="1361652667"/>
                   </a:ext>
                 </a:extLst>
               </a:tr>
@@ -21033,7 +21033,7 @@
                 </a:tc>
                 <a:extLst>
                   <a:ext uri="{0D108BD9-81ED-4DB2-BD59-A6C34878D82A}">
-                    <a16:rowId xmlns:a16="http://schemas.microsoft.com/office/drawing/2014/main" xmlns="" val="4171266952"/>
+                    <a16:rowId xmlns="" xmlns:a16="http://schemas.microsoft.com/office/drawing/2014/main" val="4171266952"/>
                   </a:ext>
                 </a:extLst>
               </a:tr>
@@ -22066,7 +22066,7 @@
                 </a:tc>
                 <a:extLst>
                   <a:ext uri="{0D108BD9-81ED-4DB2-BD59-A6C34878D82A}">
-                    <a16:rowId xmlns:a16="http://schemas.microsoft.com/office/drawing/2014/main" xmlns="" val="1818119986"/>
+                    <a16:rowId xmlns="" xmlns:a16="http://schemas.microsoft.com/office/drawing/2014/main" val="1818119986"/>
                   </a:ext>
                 </a:extLst>
               </a:tr>
@@ -23081,7 +23081,7 @@
                 </a:tc>
                 <a:extLst>
                   <a:ext uri="{0D108BD9-81ED-4DB2-BD59-A6C34878D82A}">
-                    <a16:rowId xmlns:a16="http://schemas.microsoft.com/office/drawing/2014/main" xmlns="" val="3449206627"/>
+                    <a16:rowId xmlns="" xmlns:a16="http://schemas.microsoft.com/office/drawing/2014/main" val="3449206627"/>
                   </a:ext>
                 </a:extLst>
               </a:tr>
@@ -24105,7 +24105,7 @@
                 </a:tc>
                 <a:extLst>
                   <a:ext uri="{0D108BD9-81ED-4DB2-BD59-A6C34878D82A}">
-                    <a16:rowId xmlns:a16="http://schemas.microsoft.com/office/drawing/2014/main" xmlns="" val="2347742663"/>
+                    <a16:rowId xmlns="" xmlns:a16="http://schemas.microsoft.com/office/drawing/2014/main" val="2347742663"/>
                   </a:ext>
                 </a:extLst>
               </a:tr>
@@ -25120,7 +25120,7 @@
                 </a:tc>
                 <a:extLst>
                   <a:ext uri="{0D108BD9-81ED-4DB2-BD59-A6C34878D82A}">
-                    <a16:rowId xmlns:a16="http://schemas.microsoft.com/office/drawing/2014/main" xmlns="" val="2289452773"/>
+                    <a16:rowId xmlns="" xmlns:a16="http://schemas.microsoft.com/office/drawing/2014/main" val="2289452773"/>
                   </a:ext>
                 </a:extLst>
               </a:tr>
@@ -26153,7 +26153,7 @@
                 </a:tc>
                 <a:extLst>
                   <a:ext uri="{0D108BD9-81ED-4DB2-BD59-A6C34878D82A}">
-                    <a16:rowId xmlns:a16="http://schemas.microsoft.com/office/drawing/2014/main" xmlns="" val="2208803524"/>
+                    <a16:rowId xmlns="" xmlns:a16="http://schemas.microsoft.com/office/drawing/2014/main" val="2208803524"/>
                   </a:ext>
                 </a:extLst>
               </a:tr>
@@ -27168,7 +27168,7 @@
                 </a:tc>
                 <a:extLst>
                   <a:ext uri="{0D108BD9-81ED-4DB2-BD59-A6C34878D82A}">
-                    <a16:rowId xmlns:a16="http://schemas.microsoft.com/office/drawing/2014/main" xmlns="" val="2415553674"/>
+                    <a16:rowId xmlns="" xmlns:a16="http://schemas.microsoft.com/office/drawing/2014/main" val="2415553674"/>
                   </a:ext>
                 </a:extLst>
               </a:tr>
@@ -28210,7 +28210,7 @@
                 </a:tc>
                 <a:extLst>
                   <a:ext uri="{0D108BD9-81ED-4DB2-BD59-A6C34878D82A}">
-                    <a16:rowId xmlns:a16="http://schemas.microsoft.com/office/drawing/2014/main" xmlns="" val="1862969538"/>
+                    <a16:rowId xmlns="" xmlns:a16="http://schemas.microsoft.com/office/drawing/2014/main" val="1862969538"/>
                   </a:ext>
                 </a:extLst>
               </a:tr>
@@ -29261,7 +29261,7 @@
                 </a:tc>
                 <a:extLst>
                   <a:ext uri="{0D108BD9-81ED-4DB2-BD59-A6C34878D82A}">
-                    <a16:rowId xmlns:a16="http://schemas.microsoft.com/office/drawing/2014/main" xmlns="" val="2680298606"/>
+                    <a16:rowId xmlns="" xmlns:a16="http://schemas.microsoft.com/office/drawing/2014/main" val="2680298606"/>
                   </a:ext>
                 </a:extLst>
               </a:tr>
@@ -30303,7 +30303,7 @@
                 </a:tc>
                 <a:extLst>
                   <a:ext uri="{0D108BD9-81ED-4DB2-BD59-A6C34878D82A}">
-                    <a16:rowId xmlns:a16="http://schemas.microsoft.com/office/drawing/2014/main" xmlns="" val="1371829273"/>
+                    <a16:rowId xmlns="" xmlns:a16="http://schemas.microsoft.com/office/drawing/2014/main" val="1371829273"/>
                   </a:ext>
                 </a:extLst>
               </a:tr>
@@ -31279,56 +31279,56 @@
                 <a:gridCol w="1028700">
                   <a:extLst>
                     <a:ext uri="{9D8B030D-6E8A-4147-A177-3AD203B41FA5}">
-                      <a16:colId xmlns:a16="http://schemas.microsoft.com/office/drawing/2014/main" xmlns="" val="2659497701"/>
+                      <a16:colId xmlns="" xmlns:a16="http://schemas.microsoft.com/office/drawing/2014/main" val="2659497701"/>
                     </a:ext>
                   </a:extLst>
                 </a:gridCol>
                 <a:gridCol w="1028700">
                   <a:extLst>
                     <a:ext uri="{9D8B030D-6E8A-4147-A177-3AD203B41FA5}">
-                      <a16:colId xmlns:a16="http://schemas.microsoft.com/office/drawing/2014/main" xmlns="" val="2265679016"/>
+                      <a16:colId xmlns="" xmlns:a16="http://schemas.microsoft.com/office/drawing/2014/main" val="2265679016"/>
                     </a:ext>
                   </a:extLst>
                 </a:gridCol>
                 <a:gridCol w="1028700">
                   <a:extLst>
                     <a:ext uri="{9D8B030D-6E8A-4147-A177-3AD203B41FA5}">
-                      <a16:colId xmlns:a16="http://schemas.microsoft.com/office/drawing/2014/main" xmlns="" val="2674103652"/>
+                      <a16:colId xmlns="" xmlns:a16="http://schemas.microsoft.com/office/drawing/2014/main" val="2674103652"/>
                     </a:ext>
                   </a:extLst>
                 </a:gridCol>
                 <a:gridCol w="1028700">
                   <a:extLst>
                     <a:ext uri="{9D8B030D-6E8A-4147-A177-3AD203B41FA5}">
-                      <a16:colId xmlns:a16="http://schemas.microsoft.com/office/drawing/2014/main" xmlns="" val="1958654607"/>
+                      <a16:colId xmlns="" xmlns:a16="http://schemas.microsoft.com/office/drawing/2014/main" val="1958654607"/>
                     </a:ext>
                   </a:extLst>
                 </a:gridCol>
                 <a:gridCol w="1028700">
                   <a:extLst>
                     <a:ext uri="{9D8B030D-6E8A-4147-A177-3AD203B41FA5}">
-                      <a16:colId xmlns:a16="http://schemas.microsoft.com/office/drawing/2014/main" xmlns="" val="1503738086"/>
+                      <a16:colId xmlns="" xmlns:a16="http://schemas.microsoft.com/office/drawing/2014/main" val="1503738086"/>
                     </a:ext>
                   </a:extLst>
                 </a:gridCol>
                 <a:gridCol w="1028700">
                   <a:extLst>
                     <a:ext uri="{9D8B030D-6E8A-4147-A177-3AD203B41FA5}">
-                      <a16:colId xmlns:a16="http://schemas.microsoft.com/office/drawing/2014/main" xmlns="" val="1396325688"/>
+                      <a16:colId xmlns="" xmlns:a16="http://schemas.microsoft.com/office/drawing/2014/main" val="1396325688"/>
                     </a:ext>
                   </a:extLst>
                 </a:gridCol>
                 <a:gridCol w="1028700">
                   <a:extLst>
                     <a:ext uri="{9D8B030D-6E8A-4147-A177-3AD203B41FA5}">
-                      <a16:colId xmlns:a16="http://schemas.microsoft.com/office/drawing/2014/main" xmlns="" val="4139919308"/>
+                      <a16:colId xmlns="" xmlns:a16="http://schemas.microsoft.com/office/drawing/2014/main" val="4139919308"/>
                     </a:ext>
                   </a:extLst>
                 </a:gridCol>
                 <a:gridCol w="1028700">
                   <a:extLst>
                     <a:ext uri="{9D8B030D-6E8A-4147-A177-3AD203B41FA5}">
-                      <a16:colId xmlns:a16="http://schemas.microsoft.com/office/drawing/2014/main" xmlns="" val="555841213"/>
+                      <a16:colId xmlns="" xmlns:a16="http://schemas.microsoft.com/office/drawing/2014/main" val="555841213"/>
                     </a:ext>
                   </a:extLst>
                 </a:gridCol>
@@ -31448,7 +31448,7 @@
                 </a:tc>
                 <a:extLst>
                   <a:ext uri="{0D108BD9-81ED-4DB2-BD59-A6C34878D82A}">
-                    <a16:rowId xmlns:a16="http://schemas.microsoft.com/office/drawing/2014/main" xmlns="" val="2346218626"/>
+                    <a16:rowId xmlns="" xmlns:a16="http://schemas.microsoft.com/office/drawing/2014/main" val="2346218626"/>
                   </a:ext>
                 </a:extLst>
               </a:tr>
@@ -31601,7 +31601,7 @@
                 </a:tc>
                 <a:extLst>
                   <a:ext uri="{0D108BD9-81ED-4DB2-BD59-A6C34878D82A}">
-                    <a16:rowId xmlns:a16="http://schemas.microsoft.com/office/drawing/2014/main" xmlns="" val="290159470"/>
+                    <a16:rowId xmlns="" xmlns:a16="http://schemas.microsoft.com/office/drawing/2014/main" val="290159470"/>
                   </a:ext>
                 </a:extLst>
               </a:tr>
@@ -31691,56 +31691,56 @@
                 <a:gridCol w="829385">
                   <a:extLst>
                     <a:ext uri="{9D8B030D-6E8A-4147-A177-3AD203B41FA5}">
-                      <a16:colId xmlns:a16="http://schemas.microsoft.com/office/drawing/2014/main" xmlns="" val="3437578281"/>
+                      <a16:colId xmlns="" xmlns:a16="http://schemas.microsoft.com/office/drawing/2014/main" val="3437578281"/>
                     </a:ext>
                   </a:extLst>
                 </a:gridCol>
                 <a:gridCol w="829385">
                   <a:extLst>
                     <a:ext uri="{9D8B030D-6E8A-4147-A177-3AD203B41FA5}">
-                      <a16:colId xmlns:a16="http://schemas.microsoft.com/office/drawing/2014/main" xmlns="" val="187010217"/>
+                      <a16:colId xmlns="" xmlns:a16="http://schemas.microsoft.com/office/drawing/2014/main" val="187010217"/>
                     </a:ext>
                   </a:extLst>
                 </a:gridCol>
                 <a:gridCol w="829385">
                   <a:extLst>
                     <a:ext uri="{9D8B030D-6E8A-4147-A177-3AD203B41FA5}">
-                      <a16:colId xmlns:a16="http://schemas.microsoft.com/office/drawing/2014/main" xmlns="" val="36786362"/>
+                      <a16:colId xmlns="" xmlns:a16="http://schemas.microsoft.com/office/drawing/2014/main" val="36786362"/>
                     </a:ext>
                   </a:extLst>
                 </a:gridCol>
                 <a:gridCol w="829385">
                   <a:extLst>
                     <a:ext uri="{9D8B030D-6E8A-4147-A177-3AD203B41FA5}">
-                      <a16:colId xmlns:a16="http://schemas.microsoft.com/office/drawing/2014/main" xmlns="" val="1320773274"/>
+                      <a16:colId xmlns="" xmlns:a16="http://schemas.microsoft.com/office/drawing/2014/main" val="1320773274"/>
                     </a:ext>
                   </a:extLst>
                 </a:gridCol>
                 <a:gridCol w="829385">
                   <a:extLst>
                     <a:ext uri="{9D8B030D-6E8A-4147-A177-3AD203B41FA5}">
-                      <a16:colId xmlns:a16="http://schemas.microsoft.com/office/drawing/2014/main" xmlns="" val="2165596753"/>
+                      <a16:colId xmlns="" xmlns:a16="http://schemas.microsoft.com/office/drawing/2014/main" val="2165596753"/>
                     </a:ext>
                   </a:extLst>
                 </a:gridCol>
                 <a:gridCol w="829385">
                   <a:extLst>
                     <a:ext uri="{9D8B030D-6E8A-4147-A177-3AD203B41FA5}">
-                      <a16:colId xmlns:a16="http://schemas.microsoft.com/office/drawing/2014/main" xmlns="" val="2980757339"/>
+                      <a16:colId xmlns="" xmlns:a16="http://schemas.microsoft.com/office/drawing/2014/main" val="2980757339"/>
                     </a:ext>
                   </a:extLst>
                 </a:gridCol>
                 <a:gridCol w="829385">
                   <a:extLst>
                     <a:ext uri="{9D8B030D-6E8A-4147-A177-3AD203B41FA5}">
-                      <a16:colId xmlns:a16="http://schemas.microsoft.com/office/drawing/2014/main" xmlns="" val="3456044090"/>
+                      <a16:colId xmlns="" xmlns:a16="http://schemas.microsoft.com/office/drawing/2014/main" val="3456044090"/>
                     </a:ext>
                   </a:extLst>
                 </a:gridCol>
                 <a:gridCol w="829385">
                   <a:extLst>
                     <a:ext uri="{9D8B030D-6E8A-4147-A177-3AD203B41FA5}">
-                      <a16:colId xmlns:a16="http://schemas.microsoft.com/office/drawing/2014/main" xmlns="" val="3778878860"/>
+                      <a16:colId xmlns="" xmlns:a16="http://schemas.microsoft.com/office/drawing/2014/main" val="3778878860"/>
                     </a:ext>
                   </a:extLst>
                 </a:gridCol>
@@ -31924,7 +31924,7 @@
                 </a:tc>
                 <a:extLst>
                   <a:ext uri="{0D108BD9-81ED-4DB2-BD59-A6C34878D82A}">
-                    <a16:rowId xmlns:a16="http://schemas.microsoft.com/office/drawing/2014/main" xmlns="" val="1416552582"/>
+                    <a16:rowId xmlns="" xmlns:a16="http://schemas.microsoft.com/office/drawing/2014/main" val="1416552582"/>
                   </a:ext>
                 </a:extLst>
               </a:tr>
@@ -31960,56 +31960,56 @@
                 <a:gridCol w="829385">
                   <a:extLst>
                     <a:ext uri="{9D8B030D-6E8A-4147-A177-3AD203B41FA5}">
-                      <a16:colId xmlns:a16="http://schemas.microsoft.com/office/drawing/2014/main" xmlns="" val="3437578281"/>
+                      <a16:colId xmlns="" xmlns:a16="http://schemas.microsoft.com/office/drawing/2014/main" val="3437578281"/>
                     </a:ext>
                   </a:extLst>
                 </a:gridCol>
                 <a:gridCol w="829385">
                   <a:extLst>
                     <a:ext uri="{9D8B030D-6E8A-4147-A177-3AD203B41FA5}">
-                      <a16:colId xmlns:a16="http://schemas.microsoft.com/office/drawing/2014/main" xmlns="" val="187010217"/>
+                      <a16:colId xmlns="" xmlns:a16="http://schemas.microsoft.com/office/drawing/2014/main" val="187010217"/>
                     </a:ext>
                   </a:extLst>
                 </a:gridCol>
                 <a:gridCol w="829385">
                   <a:extLst>
                     <a:ext uri="{9D8B030D-6E8A-4147-A177-3AD203B41FA5}">
-                      <a16:colId xmlns:a16="http://schemas.microsoft.com/office/drawing/2014/main" xmlns="" val="36786362"/>
+                      <a16:colId xmlns="" xmlns:a16="http://schemas.microsoft.com/office/drawing/2014/main" val="36786362"/>
                     </a:ext>
                   </a:extLst>
                 </a:gridCol>
                 <a:gridCol w="829385">
                   <a:extLst>
                     <a:ext uri="{9D8B030D-6E8A-4147-A177-3AD203B41FA5}">
-                      <a16:colId xmlns:a16="http://schemas.microsoft.com/office/drawing/2014/main" xmlns="" val="1320773274"/>
+                      <a16:colId xmlns="" xmlns:a16="http://schemas.microsoft.com/office/drawing/2014/main" val="1320773274"/>
                     </a:ext>
                   </a:extLst>
                 </a:gridCol>
                 <a:gridCol w="829385">
                   <a:extLst>
                     <a:ext uri="{9D8B030D-6E8A-4147-A177-3AD203B41FA5}">
-                      <a16:colId xmlns:a16="http://schemas.microsoft.com/office/drawing/2014/main" xmlns="" val="2165596753"/>
+                      <a16:colId xmlns="" xmlns:a16="http://schemas.microsoft.com/office/drawing/2014/main" val="2165596753"/>
                     </a:ext>
                   </a:extLst>
                 </a:gridCol>
                 <a:gridCol w="829385">
                   <a:extLst>
                     <a:ext uri="{9D8B030D-6E8A-4147-A177-3AD203B41FA5}">
-                      <a16:colId xmlns:a16="http://schemas.microsoft.com/office/drawing/2014/main" xmlns="" val="2980757339"/>
+                      <a16:colId xmlns="" xmlns:a16="http://schemas.microsoft.com/office/drawing/2014/main" val="2980757339"/>
                     </a:ext>
                   </a:extLst>
                 </a:gridCol>
                 <a:gridCol w="829385">
                   <a:extLst>
                     <a:ext uri="{9D8B030D-6E8A-4147-A177-3AD203B41FA5}">
-                      <a16:colId xmlns:a16="http://schemas.microsoft.com/office/drawing/2014/main" xmlns="" val="3456044090"/>
+                      <a16:colId xmlns="" xmlns:a16="http://schemas.microsoft.com/office/drawing/2014/main" val="3456044090"/>
                     </a:ext>
                   </a:extLst>
                 </a:gridCol>
                 <a:gridCol w="829385">
                   <a:extLst>
                     <a:ext uri="{9D8B030D-6E8A-4147-A177-3AD203B41FA5}">
-                      <a16:colId xmlns:a16="http://schemas.microsoft.com/office/drawing/2014/main" xmlns="" val="3778878860"/>
+                      <a16:colId xmlns="" xmlns:a16="http://schemas.microsoft.com/office/drawing/2014/main" val="3778878860"/>
                     </a:ext>
                   </a:extLst>
                 </a:gridCol>
@@ -32193,7 +32193,7 @@
                 </a:tc>
                 <a:extLst>
                   <a:ext uri="{0D108BD9-81ED-4DB2-BD59-A6C34878D82A}">
-                    <a16:rowId xmlns:a16="http://schemas.microsoft.com/office/drawing/2014/main" xmlns="" val="1416552582"/>
+                    <a16:rowId xmlns="" xmlns:a16="http://schemas.microsoft.com/office/drawing/2014/main" val="1416552582"/>
                   </a:ext>
                 </a:extLst>
               </a:tr>
@@ -32229,56 +32229,56 @@
                 <a:gridCol w="829385">
                   <a:extLst>
                     <a:ext uri="{9D8B030D-6E8A-4147-A177-3AD203B41FA5}">
-                      <a16:colId xmlns:a16="http://schemas.microsoft.com/office/drawing/2014/main" xmlns="" val="3437578281"/>
+                      <a16:colId xmlns="" xmlns:a16="http://schemas.microsoft.com/office/drawing/2014/main" val="3437578281"/>
                     </a:ext>
                   </a:extLst>
                 </a:gridCol>
                 <a:gridCol w="829385">
                   <a:extLst>
                     <a:ext uri="{9D8B030D-6E8A-4147-A177-3AD203B41FA5}">
-                      <a16:colId xmlns:a16="http://schemas.microsoft.com/office/drawing/2014/main" xmlns="" val="187010217"/>
+                      <a16:colId xmlns="" xmlns:a16="http://schemas.microsoft.com/office/drawing/2014/main" val="187010217"/>
                     </a:ext>
                   </a:extLst>
                 </a:gridCol>
                 <a:gridCol w="829385">
                   <a:extLst>
                     <a:ext uri="{9D8B030D-6E8A-4147-A177-3AD203B41FA5}">
-                      <a16:colId xmlns:a16="http://schemas.microsoft.com/office/drawing/2014/main" xmlns="" val="36786362"/>
+                      <a16:colId xmlns="" xmlns:a16="http://schemas.microsoft.com/office/drawing/2014/main" val="36786362"/>
                     </a:ext>
                   </a:extLst>
                 </a:gridCol>
                 <a:gridCol w="829385">
                   <a:extLst>
                     <a:ext uri="{9D8B030D-6E8A-4147-A177-3AD203B41FA5}">
-                      <a16:colId xmlns:a16="http://schemas.microsoft.com/office/drawing/2014/main" xmlns="" val="1320773274"/>
+                      <a16:colId xmlns="" xmlns:a16="http://schemas.microsoft.com/office/drawing/2014/main" val="1320773274"/>
                     </a:ext>
                   </a:extLst>
                 </a:gridCol>
                 <a:gridCol w="829385">
                   <a:extLst>
                     <a:ext uri="{9D8B030D-6E8A-4147-A177-3AD203B41FA5}">
-                      <a16:colId xmlns:a16="http://schemas.microsoft.com/office/drawing/2014/main" xmlns="" val="2165596753"/>
+                      <a16:colId xmlns="" xmlns:a16="http://schemas.microsoft.com/office/drawing/2014/main" val="2165596753"/>
                     </a:ext>
                   </a:extLst>
                 </a:gridCol>
                 <a:gridCol w="829385">
                   <a:extLst>
                     <a:ext uri="{9D8B030D-6E8A-4147-A177-3AD203B41FA5}">
-                      <a16:colId xmlns:a16="http://schemas.microsoft.com/office/drawing/2014/main" xmlns="" val="2980757339"/>
+                      <a16:colId xmlns="" xmlns:a16="http://schemas.microsoft.com/office/drawing/2014/main" val="2980757339"/>
                     </a:ext>
                   </a:extLst>
                 </a:gridCol>
                 <a:gridCol w="829385">
                   <a:extLst>
                     <a:ext uri="{9D8B030D-6E8A-4147-A177-3AD203B41FA5}">
-                      <a16:colId xmlns:a16="http://schemas.microsoft.com/office/drawing/2014/main" xmlns="" val="3456044090"/>
+                      <a16:colId xmlns="" xmlns:a16="http://schemas.microsoft.com/office/drawing/2014/main" val="3456044090"/>
                     </a:ext>
                   </a:extLst>
                 </a:gridCol>
                 <a:gridCol w="829385">
                   <a:extLst>
                     <a:ext uri="{9D8B030D-6E8A-4147-A177-3AD203B41FA5}">
-                      <a16:colId xmlns:a16="http://schemas.microsoft.com/office/drawing/2014/main" xmlns="" val="3778878860"/>
+                      <a16:colId xmlns="" xmlns:a16="http://schemas.microsoft.com/office/drawing/2014/main" val="3778878860"/>
                     </a:ext>
                   </a:extLst>
                 </a:gridCol>
@@ -32462,7 +32462,7 @@
                 </a:tc>
                 <a:extLst>
                   <a:ext uri="{0D108BD9-81ED-4DB2-BD59-A6C34878D82A}">
-                    <a16:rowId xmlns:a16="http://schemas.microsoft.com/office/drawing/2014/main" xmlns="" val="1416552582"/>
+                    <a16:rowId xmlns="" xmlns:a16="http://schemas.microsoft.com/office/drawing/2014/main" val="1416552582"/>
                   </a:ext>
                 </a:extLst>
               </a:tr>
@@ -32498,56 +32498,56 @@
                 <a:gridCol w="829385">
                   <a:extLst>
                     <a:ext uri="{9D8B030D-6E8A-4147-A177-3AD203B41FA5}">
-                      <a16:colId xmlns:a16="http://schemas.microsoft.com/office/drawing/2014/main" xmlns="" val="3437578281"/>
+                      <a16:colId xmlns="" xmlns:a16="http://schemas.microsoft.com/office/drawing/2014/main" val="3437578281"/>
                     </a:ext>
                   </a:extLst>
                 </a:gridCol>
                 <a:gridCol w="829385">
                   <a:extLst>
                     <a:ext uri="{9D8B030D-6E8A-4147-A177-3AD203B41FA5}">
-                      <a16:colId xmlns:a16="http://schemas.microsoft.com/office/drawing/2014/main" xmlns="" val="187010217"/>
+                      <a16:colId xmlns="" xmlns:a16="http://schemas.microsoft.com/office/drawing/2014/main" val="187010217"/>
                     </a:ext>
                   </a:extLst>
                 </a:gridCol>
                 <a:gridCol w="829385">
                   <a:extLst>
                     <a:ext uri="{9D8B030D-6E8A-4147-A177-3AD203B41FA5}">
-                      <a16:colId xmlns:a16="http://schemas.microsoft.com/office/drawing/2014/main" xmlns="" val="36786362"/>
+                      <a16:colId xmlns="" xmlns:a16="http://schemas.microsoft.com/office/drawing/2014/main" val="36786362"/>
                     </a:ext>
                   </a:extLst>
                 </a:gridCol>
                 <a:gridCol w="829385">
                   <a:extLst>
                     <a:ext uri="{9D8B030D-6E8A-4147-A177-3AD203B41FA5}">
-                      <a16:colId xmlns:a16="http://schemas.microsoft.com/office/drawing/2014/main" xmlns="" val="1320773274"/>
+                      <a16:colId xmlns="" xmlns:a16="http://schemas.microsoft.com/office/drawing/2014/main" val="1320773274"/>
                     </a:ext>
                   </a:extLst>
                 </a:gridCol>
                 <a:gridCol w="829385">
                   <a:extLst>
                     <a:ext uri="{9D8B030D-6E8A-4147-A177-3AD203B41FA5}">
-                      <a16:colId xmlns:a16="http://schemas.microsoft.com/office/drawing/2014/main" xmlns="" val="2165596753"/>
+                      <a16:colId xmlns="" xmlns:a16="http://schemas.microsoft.com/office/drawing/2014/main" val="2165596753"/>
                     </a:ext>
                   </a:extLst>
                 </a:gridCol>
                 <a:gridCol w="829385">
                   <a:extLst>
                     <a:ext uri="{9D8B030D-6E8A-4147-A177-3AD203B41FA5}">
-                      <a16:colId xmlns:a16="http://schemas.microsoft.com/office/drawing/2014/main" xmlns="" val="2980757339"/>
+                      <a16:colId xmlns="" xmlns:a16="http://schemas.microsoft.com/office/drawing/2014/main" val="2980757339"/>
                     </a:ext>
                   </a:extLst>
                 </a:gridCol>
                 <a:gridCol w="829385">
                   <a:extLst>
                     <a:ext uri="{9D8B030D-6E8A-4147-A177-3AD203B41FA5}">
-                      <a16:colId xmlns:a16="http://schemas.microsoft.com/office/drawing/2014/main" xmlns="" val="3456044090"/>
+                      <a16:colId xmlns="" xmlns:a16="http://schemas.microsoft.com/office/drawing/2014/main" val="3456044090"/>
                     </a:ext>
                   </a:extLst>
                 </a:gridCol>
                 <a:gridCol w="829385">
                   <a:extLst>
                     <a:ext uri="{9D8B030D-6E8A-4147-A177-3AD203B41FA5}">
-                      <a16:colId xmlns:a16="http://schemas.microsoft.com/office/drawing/2014/main" xmlns="" val="3778878860"/>
+                      <a16:colId xmlns="" xmlns:a16="http://schemas.microsoft.com/office/drawing/2014/main" val="3778878860"/>
                     </a:ext>
                   </a:extLst>
                 </a:gridCol>
@@ -32731,7 +32731,7 @@
                 </a:tc>
                 <a:extLst>
                   <a:ext uri="{0D108BD9-81ED-4DB2-BD59-A6C34878D82A}">
-                    <a16:rowId xmlns:a16="http://schemas.microsoft.com/office/drawing/2014/main" xmlns="" val="1416552582"/>
+                    <a16:rowId xmlns="" xmlns:a16="http://schemas.microsoft.com/office/drawing/2014/main" val="1416552582"/>
                   </a:ext>
                 </a:extLst>
               </a:tr>
@@ -32887,56 +32887,56 @@
                 <a:gridCol w="829385">
                   <a:extLst>
                     <a:ext uri="{9D8B030D-6E8A-4147-A177-3AD203B41FA5}">
-                      <a16:colId xmlns:a16="http://schemas.microsoft.com/office/drawing/2014/main" xmlns="" val="3437578281"/>
+                      <a16:colId xmlns="" xmlns:a16="http://schemas.microsoft.com/office/drawing/2014/main" val="3437578281"/>
                     </a:ext>
                   </a:extLst>
                 </a:gridCol>
                 <a:gridCol w="829385">
                   <a:extLst>
                     <a:ext uri="{9D8B030D-6E8A-4147-A177-3AD203B41FA5}">
-                      <a16:colId xmlns:a16="http://schemas.microsoft.com/office/drawing/2014/main" xmlns="" val="187010217"/>
+                      <a16:colId xmlns="" xmlns:a16="http://schemas.microsoft.com/office/drawing/2014/main" val="187010217"/>
                     </a:ext>
                   </a:extLst>
                 </a:gridCol>
                 <a:gridCol w="829385">
                   <a:extLst>
                     <a:ext uri="{9D8B030D-6E8A-4147-A177-3AD203B41FA5}">
-                      <a16:colId xmlns:a16="http://schemas.microsoft.com/office/drawing/2014/main" xmlns="" val="36786362"/>
+                      <a16:colId xmlns="" xmlns:a16="http://schemas.microsoft.com/office/drawing/2014/main" val="36786362"/>
                     </a:ext>
                   </a:extLst>
                 </a:gridCol>
                 <a:gridCol w="829385">
                   <a:extLst>
                     <a:ext uri="{9D8B030D-6E8A-4147-A177-3AD203B41FA5}">
-                      <a16:colId xmlns:a16="http://schemas.microsoft.com/office/drawing/2014/main" xmlns="" val="1320773274"/>
+                      <a16:colId xmlns="" xmlns:a16="http://schemas.microsoft.com/office/drawing/2014/main" val="1320773274"/>
                     </a:ext>
                   </a:extLst>
                 </a:gridCol>
                 <a:gridCol w="829385">
                   <a:extLst>
                     <a:ext uri="{9D8B030D-6E8A-4147-A177-3AD203B41FA5}">
-                      <a16:colId xmlns:a16="http://schemas.microsoft.com/office/drawing/2014/main" xmlns="" val="2165596753"/>
+                      <a16:colId xmlns="" xmlns:a16="http://schemas.microsoft.com/office/drawing/2014/main" val="2165596753"/>
                     </a:ext>
                   </a:extLst>
                 </a:gridCol>
                 <a:gridCol w="829385">
                   <a:extLst>
                     <a:ext uri="{9D8B030D-6E8A-4147-A177-3AD203B41FA5}">
-                      <a16:colId xmlns:a16="http://schemas.microsoft.com/office/drawing/2014/main" xmlns="" val="2980757339"/>
+                      <a16:colId xmlns="" xmlns:a16="http://schemas.microsoft.com/office/drawing/2014/main" val="2980757339"/>
                     </a:ext>
                   </a:extLst>
                 </a:gridCol>
                 <a:gridCol w="829385">
                   <a:extLst>
                     <a:ext uri="{9D8B030D-6E8A-4147-A177-3AD203B41FA5}">
-                      <a16:colId xmlns:a16="http://schemas.microsoft.com/office/drawing/2014/main" xmlns="" val="3456044090"/>
+                      <a16:colId xmlns="" xmlns:a16="http://schemas.microsoft.com/office/drawing/2014/main" val="3456044090"/>
                     </a:ext>
                   </a:extLst>
                 </a:gridCol>
                 <a:gridCol w="829385">
                   <a:extLst>
                     <a:ext uri="{9D8B030D-6E8A-4147-A177-3AD203B41FA5}">
-                      <a16:colId xmlns:a16="http://schemas.microsoft.com/office/drawing/2014/main" xmlns="" val="3778878860"/>
+                      <a16:colId xmlns="" xmlns:a16="http://schemas.microsoft.com/office/drawing/2014/main" val="3778878860"/>
                     </a:ext>
                   </a:extLst>
                 </a:gridCol>
@@ -33120,7 +33120,7 @@
                 </a:tc>
                 <a:extLst>
                   <a:ext uri="{0D108BD9-81ED-4DB2-BD59-A6C34878D82A}">
-                    <a16:rowId xmlns:a16="http://schemas.microsoft.com/office/drawing/2014/main" xmlns="" val="1416552582"/>
+                    <a16:rowId xmlns="" xmlns:a16="http://schemas.microsoft.com/office/drawing/2014/main" val="1416552582"/>
                   </a:ext>
                 </a:extLst>
               </a:tr>
@@ -33186,56 +33186,56 @@
                 <a:gridCol w="829385">
                   <a:extLst>
                     <a:ext uri="{9D8B030D-6E8A-4147-A177-3AD203B41FA5}">
-                      <a16:colId xmlns:a16="http://schemas.microsoft.com/office/drawing/2014/main" xmlns="" val="3437578281"/>
+                      <a16:colId xmlns="" xmlns:a16="http://schemas.microsoft.com/office/drawing/2014/main" val="3437578281"/>
                     </a:ext>
                   </a:extLst>
                 </a:gridCol>
                 <a:gridCol w="829385">
                   <a:extLst>
                     <a:ext uri="{9D8B030D-6E8A-4147-A177-3AD203B41FA5}">
-                      <a16:colId xmlns:a16="http://schemas.microsoft.com/office/drawing/2014/main" xmlns="" val="187010217"/>
+                      <a16:colId xmlns="" xmlns:a16="http://schemas.microsoft.com/office/drawing/2014/main" val="187010217"/>
                     </a:ext>
                   </a:extLst>
                 </a:gridCol>
                 <a:gridCol w="829385">
                   <a:extLst>
                     <a:ext uri="{9D8B030D-6E8A-4147-A177-3AD203B41FA5}">
-                      <a16:colId xmlns:a16="http://schemas.microsoft.com/office/drawing/2014/main" xmlns="" val="36786362"/>
+                      <a16:colId xmlns="" xmlns:a16="http://schemas.microsoft.com/office/drawing/2014/main" val="36786362"/>
                     </a:ext>
                   </a:extLst>
                 </a:gridCol>
                 <a:gridCol w="829385">
                   <a:extLst>
                     <a:ext uri="{9D8B030D-6E8A-4147-A177-3AD203B41FA5}">
-                      <a16:colId xmlns:a16="http://schemas.microsoft.com/office/drawing/2014/main" xmlns="" val="1320773274"/>
+                      <a16:colId xmlns="" xmlns:a16="http://schemas.microsoft.com/office/drawing/2014/main" val="1320773274"/>
                     </a:ext>
                   </a:extLst>
                 </a:gridCol>
                 <a:gridCol w="829385">
                   <a:extLst>
                     <a:ext uri="{9D8B030D-6E8A-4147-A177-3AD203B41FA5}">
-                      <a16:colId xmlns:a16="http://schemas.microsoft.com/office/drawing/2014/main" xmlns="" val="2165596753"/>
+                      <a16:colId xmlns="" xmlns:a16="http://schemas.microsoft.com/office/drawing/2014/main" val="2165596753"/>
                     </a:ext>
                   </a:extLst>
                 </a:gridCol>
                 <a:gridCol w="829385">
                   <a:extLst>
                     <a:ext uri="{9D8B030D-6E8A-4147-A177-3AD203B41FA5}">
-                      <a16:colId xmlns:a16="http://schemas.microsoft.com/office/drawing/2014/main" xmlns="" val="2980757339"/>
+                      <a16:colId xmlns="" xmlns:a16="http://schemas.microsoft.com/office/drawing/2014/main" val="2980757339"/>
                     </a:ext>
                   </a:extLst>
                 </a:gridCol>
                 <a:gridCol w="829385">
                   <a:extLst>
                     <a:ext uri="{9D8B030D-6E8A-4147-A177-3AD203B41FA5}">
-                      <a16:colId xmlns:a16="http://schemas.microsoft.com/office/drawing/2014/main" xmlns="" val="3456044090"/>
+                      <a16:colId xmlns="" xmlns:a16="http://schemas.microsoft.com/office/drawing/2014/main" val="3456044090"/>
                     </a:ext>
                   </a:extLst>
                 </a:gridCol>
                 <a:gridCol w="829385">
                   <a:extLst>
                     <a:ext uri="{9D8B030D-6E8A-4147-A177-3AD203B41FA5}">
-                      <a16:colId xmlns:a16="http://schemas.microsoft.com/office/drawing/2014/main" xmlns="" val="3778878860"/>
+                      <a16:colId xmlns="" xmlns:a16="http://schemas.microsoft.com/office/drawing/2014/main" val="3778878860"/>
                     </a:ext>
                   </a:extLst>
                 </a:gridCol>
@@ -33419,7 +33419,7 @@
                 </a:tc>
                 <a:extLst>
                   <a:ext uri="{0D108BD9-81ED-4DB2-BD59-A6C34878D82A}">
-                    <a16:rowId xmlns:a16="http://schemas.microsoft.com/office/drawing/2014/main" xmlns="" val="1416552582"/>
+                    <a16:rowId xmlns="" xmlns:a16="http://schemas.microsoft.com/office/drawing/2014/main" val="1416552582"/>
                   </a:ext>
                 </a:extLst>
               </a:tr>
@@ -33556,56 +33556,56 @@
                 <a:gridCol w="829385">
                   <a:extLst>
                     <a:ext uri="{9D8B030D-6E8A-4147-A177-3AD203B41FA5}">
-                      <a16:colId xmlns:a16="http://schemas.microsoft.com/office/drawing/2014/main" xmlns="" val="3437578281"/>
+                      <a16:colId xmlns="" xmlns:a16="http://schemas.microsoft.com/office/drawing/2014/main" val="3437578281"/>
                     </a:ext>
                   </a:extLst>
                 </a:gridCol>
                 <a:gridCol w="829385">
                   <a:extLst>
                     <a:ext uri="{9D8B030D-6E8A-4147-A177-3AD203B41FA5}">
-                      <a16:colId xmlns:a16="http://schemas.microsoft.com/office/drawing/2014/main" xmlns="" val="187010217"/>
+                      <a16:colId xmlns="" xmlns:a16="http://schemas.microsoft.com/office/drawing/2014/main" val="187010217"/>
                     </a:ext>
                   </a:extLst>
                 </a:gridCol>
                 <a:gridCol w="829385">
                   <a:extLst>
                     <a:ext uri="{9D8B030D-6E8A-4147-A177-3AD203B41FA5}">
-                      <a16:colId xmlns:a16="http://schemas.microsoft.com/office/drawing/2014/main" xmlns="" val="36786362"/>
+                      <a16:colId xmlns="" xmlns:a16="http://schemas.microsoft.com/office/drawing/2014/main" val="36786362"/>
                     </a:ext>
                   </a:extLst>
                 </a:gridCol>
                 <a:gridCol w="829385">
                   <a:extLst>
                     <a:ext uri="{9D8B030D-6E8A-4147-A177-3AD203B41FA5}">
-                      <a16:colId xmlns:a16="http://schemas.microsoft.com/office/drawing/2014/main" xmlns="" val="1320773274"/>
+                      <a16:colId xmlns="" xmlns:a16="http://schemas.microsoft.com/office/drawing/2014/main" val="1320773274"/>
                     </a:ext>
                   </a:extLst>
                 </a:gridCol>
                 <a:gridCol w="829385">
                   <a:extLst>
                     <a:ext uri="{9D8B030D-6E8A-4147-A177-3AD203B41FA5}">
-                      <a16:colId xmlns:a16="http://schemas.microsoft.com/office/drawing/2014/main" xmlns="" val="2165596753"/>
+                      <a16:colId xmlns="" xmlns:a16="http://schemas.microsoft.com/office/drawing/2014/main" val="2165596753"/>
                     </a:ext>
                   </a:extLst>
                 </a:gridCol>
                 <a:gridCol w="829385">
                   <a:extLst>
                     <a:ext uri="{9D8B030D-6E8A-4147-A177-3AD203B41FA5}">
-                      <a16:colId xmlns:a16="http://schemas.microsoft.com/office/drawing/2014/main" xmlns="" val="2980757339"/>
+                      <a16:colId xmlns="" xmlns:a16="http://schemas.microsoft.com/office/drawing/2014/main" val="2980757339"/>
                     </a:ext>
                   </a:extLst>
                 </a:gridCol>
                 <a:gridCol w="829385">
                   <a:extLst>
                     <a:ext uri="{9D8B030D-6E8A-4147-A177-3AD203B41FA5}">
-                      <a16:colId xmlns:a16="http://schemas.microsoft.com/office/drawing/2014/main" xmlns="" val="3456044090"/>
+                      <a16:colId xmlns="" xmlns:a16="http://schemas.microsoft.com/office/drawing/2014/main" val="3456044090"/>
                     </a:ext>
                   </a:extLst>
                 </a:gridCol>
                 <a:gridCol w="829385">
                   <a:extLst>
                     <a:ext uri="{9D8B030D-6E8A-4147-A177-3AD203B41FA5}">
-                      <a16:colId xmlns:a16="http://schemas.microsoft.com/office/drawing/2014/main" xmlns="" val="3778878860"/>
+                      <a16:colId xmlns="" xmlns:a16="http://schemas.microsoft.com/office/drawing/2014/main" val="3778878860"/>
                     </a:ext>
                   </a:extLst>
                 </a:gridCol>
@@ -33789,7 +33789,7 @@
                 </a:tc>
                 <a:extLst>
                   <a:ext uri="{0D108BD9-81ED-4DB2-BD59-A6C34878D82A}">
-                    <a16:rowId xmlns:a16="http://schemas.microsoft.com/office/drawing/2014/main" xmlns="" val="1416552582"/>
+                    <a16:rowId xmlns="" xmlns:a16="http://schemas.microsoft.com/office/drawing/2014/main" val="1416552582"/>
                   </a:ext>
                 </a:extLst>
               </a:tr>
@@ -33825,56 +33825,56 @@
                 <a:gridCol w="829385">
                   <a:extLst>
                     <a:ext uri="{9D8B030D-6E8A-4147-A177-3AD203B41FA5}">
-                      <a16:colId xmlns:a16="http://schemas.microsoft.com/office/drawing/2014/main" xmlns="" val="3437578281"/>
+                      <a16:colId xmlns="" xmlns:a16="http://schemas.microsoft.com/office/drawing/2014/main" val="3437578281"/>
                     </a:ext>
                   </a:extLst>
                 </a:gridCol>
                 <a:gridCol w="829385">
                   <a:extLst>
                     <a:ext uri="{9D8B030D-6E8A-4147-A177-3AD203B41FA5}">
-                      <a16:colId xmlns:a16="http://schemas.microsoft.com/office/drawing/2014/main" xmlns="" val="187010217"/>
+                      <a16:colId xmlns="" xmlns:a16="http://schemas.microsoft.com/office/drawing/2014/main" val="187010217"/>
                     </a:ext>
                   </a:extLst>
                 </a:gridCol>
                 <a:gridCol w="829385">
                   <a:extLst>
                     <a:ext uri="{9D8B030D-6E8A-4147-A177-3AD203B41FA5}">
-                      <a16:colId xmlns:a16="http://schemas.microsoft.com/office/drawing/2014/main" xmlns="" val="36786362"/>
+                      <a16:colId xmlns="" xmlns:a16="http://schemas.microsoft.com/office/drawing/2014/main" val="36786362"/>
                     </a:ext>
                   </a:extLst>
                 </a:gridCol>
                 <a:gridCol w="829385">
                   <a:extLst>
                     <a:ext uri="{9D8B030D-6E8A-4147-A177-3AD203B41FA5}">
-                      <a16:colId xmlns:a16="http://schemas.microsoft.com/office/drawing/2014/main" xmlns="" val="1320773274"/>
+                      <a16:colId xmlns="" xmlns:a16="http://schemas.microsoft.com/office/drawing/2014/main" val="1320773274"/>
                     </a:ext>
                   </a:extLst>
                 </a:gridCol>
                 <a:gridCol w="829385">
                   <a:extLst>
                     <a:ext uri="{9D8B030D-6E8A-4147-A177-3AD203B41FA5}">
-                      <a16:colId xmlns:a16="http://schemas.microsoft.com/office/drawing/2014/main" xmlns="" val="2165596753"/>
+                      <a16:colId xmlns="" xmlns:a16="http://schemas.microsoft.com/office/drawing/2014/main" val="2165596753"/>
                     </a:ext>
                   </a:extLst>
                 </a:gridCol>
                 <a:gridCol w="829385">
                   <a:extLst>
                     <a:ext uri="{9D8B030D-6E8A-4147-A177-3AD203B41FA5}">
-                      <a16:colId xmlns:a16="http://schemas.microsoft.com/office/drawing/2014/main" xmlns="" val="2980757339"/>
+                      <a16:colId xmlns="" xmlns:a16="http://schemas.microsoft.com/office/drawing/2014/main" val="2980757339"/>
                     </a:ext>
                   </a:extLst>
                 </a:gridCol>
                 <a:gridCol w="829385">
                   <a:extLst>
                     <a:ext uri="{9D8B030D-6E8A-4147-A177-3AD203B41FA5}">
-                      <a16:colId xmlns:a16="http://schemas.microsoft.com/office/drawing/2014/main" xmlns="" val="3456044090"/>
+                      <a16:colId xmlns="" xmlns:a16="http://schemas.microsoft.com/office/drawing/2014/main" val="3456044090"/>
                     </a:ext>
                   </a:extLst>
                 </a:gridCol>
                 <a:gridCol w="829385">
                   <a:extLst>
                     <a:ext uri="{9D8B030D-6E8A-4147-A177-3AD203B41FA5}">
-                      <a16:colId xmlns:a16="http://schemas.microsoft.com/office/drawing/2014/main" xmlns="" val="3778878860"/>
+                      <a16:colId xmlns="" xmlns:a16="http://schemas.microsoft.com/office/drawing/2014/main" val="3778878860"/>
                     </a:ext>
                   </a:extLst>
                 </a:gridCol>
@@ -34058,7 +34058,7 @@
                 </a:tc>
                 <a:extLst>
                   <a:ext uri="{0D108BD9-81ED-4DB2-BD59-A6C34878D82A}">
-                    <a16:rowId xmlns:a16="http://schemas.microsoft.com/office/drawing/2014/main" xmlns="" val="1416552582"/>
+                    <a16:rowId xmlns="" xmlns:a16="http://schemas.microsoft.com/office/drawing/2014/main" val="1416552582"/>
                   </a:ext>
                 </a:extLst>
               </a:tr>
@@ -34094,56 +34094,56 @@
                 <a:gridCol w="829385">
                   <a:extLst>
                     <a:ext uri="{9D8B030D-6E8A-4147-A177-3AD203B41FA5}">
-                      <a16:colId xmlns:a16="http://schemas.microsoft.com/office/drawing/2014/main" xmlns="" val="3437578281"/>
+                      <a16:colId xmlns="" xmlns:a16="http://schemas.microsoft.com/office/drawing/2014/main" val="3437578281"/>
                     </a:ext>
                   </a:extLst>
                 </a:gridCol>
                 <a:gridCol w="829385">
                   <a:extLst>
                     <a:ext uri="{9D8B030D-6E8A-4147-A177-3AD203B41FA5}">
-                      <a16:colId xmlns:a16="http://schemas.microsoft.com/office/drawing/2014/main" xmlns="" val="187010217"/>
+                      <a16:colId xmlns="" xmlns:a16="http://schemas.microsoft.com/office/drawing/2014/main" val="187010217"/>
                     </a:ext>
                   </a:extLst>
                 </a:gridCol>
                 <a:gridCol w="829385">
                   <a:extLst>
                     <a:ext uri="{9D8B030D-6E8A-4147-A177-3AD203B41FA5}">
-                      <a16:colId xmlns:a16="http://schemas.microsoft.com/office/drawing/2014/main" xmlns="" val="36786362"/>
+                      <a16:colId xmlns="" xmlns:a16="http://schemas.microsoft.com/office/drawing/2014/main" val="36786362"/>
                     </a:ext>
                   </a:extLst>
                 </a:gridCol>
                 <a:gridCol w="829385">
                   <a:extLst>
                     <a:ext uri="{9D8B030D-6E8A-4147-A177-3AD203B41FA5}">
-                      <a16:colId xmlns:a16="http://schemas.microsoft.com/office/drawing/2014/main" xmlns="" val="1320773274"/>
+                      <a16:colId xmlns="" xmlns:a16="http://schemas.microsoft.com/office/drawing/2014/main" val="1320773274"/>
                     </a:ext>
                   </a:extLst>
                 </a:gridCol>
                 <a:gridCol w="829385">
                   <a:extLst>
                     <a:ext uri="{9D8B030D-6E8A-4147-A177-3AD203B41FA5}">
-                      <a16:colId xmlns:a16="http://schemas.microsoft.com/office/drawing/2014/main" xmlns="" val="2165596753"/>
+                      <a16:colId xmlns="" xmlns:a16="http://schemas.microsoft.com/office/drawing/2014/main" val="2165596753"/>
                     </a:ext>
                   </a:extLst>
                 </a:gridCol>
                 <a:gridCol w="829385">
                   <a:extLst>
                     <a:ext uri="{9D8B030D-6E8A-4147-A177-3AD203B41FA5}">
-                      <a16:colId xmlns:a16="http://schemas.microsoft.com/office/drawing/2014/main" xmlns="" val="2980757339"/>
+                      <a16:colId xmlns="" xmlns:a16="http://schemas.microsoft.com/office/drawing/2014/main" val="2980757339"/>
                     </a:ext>
                   </a:extLst>
                 </a:gridCol>
                 <a:gridCol w="829385">
                   <a:extLst>
                     <a:ext uri="{9D8B030D-6E8A-4147-A177-3AD203B41FA5}">
-                      <a16:colId xmlns:a16="http://schemas.microsoft.com/office/drawing/2014/main" xmlns="" val="3456044090"/>
+                      <a16:colId xmlns="" xmlns:a16="http://schemas.microsoft.com/office/drawing/2014/main" val="3456044090"/>
                     </a:ext>
                   </a:extLst>
                 </a:gridCol>
                 <a:gridCol w="829385">
                   <a:extLst>
                     <a:ext uri="{9D8B030D-6E8A-4147-A177-3AD203B41FA5}">
-                      <a16:colId xmlns:a16="http://schemas.microsoft.com/office/drawing/2014/main" xmlns="" val="3778878860"/>
+                      <a16:colId xmlns="" xmlns:a16="http://schemas.microsoft.com/office/drawing/2014/main" val="3778878860"/>
                     </a:ext>
                   </a:extLst>
                 </a:gridCol>
@@ -34327,7 +34327,7 @@
                 </a:tc>
                 <a:extLst>
                   <a:ext uri="{0D108BD9-81ED-4DB2-BD59-A6C34878D82A}">
-                    <a16:rowId xmlns:a16="http://schemas.microsoft.com/office/drawing/2014/main" xmlns="" val="1416552582"/>
+                    <a16:rowId xmlns="" xmlns:a16="http://schemas.microsoft.com/office/drawing/2014/main" val="1416552582"/>
                   </a:ext>
                 </a:extLst>
               </a:tr>
@@ -34363,56 +34363,56 @@
                 <a:gridCol w="829385">
                   <a:extLst>
                     <a:ext uri="{9D8B030D-6E8A-4147-A177-3AD203B41FA5}">
-                      <a16:colId xmlns:a16="http://schemas.microsoft.com/office/drawing/2014/main" xmlns="" val="3437578281"/>
+                      <a16:colId xmlns="" xmlns:a16="http://schemas.microsoft.com/office/drawing/2014/main" val="3437578281"/>
                     </a:ext>
                   </a:extLst>
                 </a:gridCol>
                 <a:gridCol w="829385">
                   <a:extLst>
                     <a:ext uri="{9D8B030D-6E8A-4147-A177-3AD203B41FA5}">
-                      <a16:colId xmlns:a16="http://schemas.microsoft.com/office/drawing/2014/main" xmlns="" val="187010217"/>
+                      <a16:colId xmlns="" xmlns:a16="http://schemas.microsoft.com/office/drawing/2014/main" val="187010217"/>
                     </a:ext>
                   </a:extLst>
                 </a:gridCol>
                 <a:gridCol w="829385">
                   <a:extLst>
                     <a:ext uri="{9D8B030D-6E8A-4147-A177-3AD203B41FA5}">
-                      <a16:colId xmlns:a16="http://schemas.microsoft.com/office/drawing/2014/main" xmlns="" val="36786362"/>
+                      <a16:colId xmlns="" xmlns:a16="http://schemas.microsoft.com/office/drawing/2014/main" val="36786362"/>
                     </a:ext>
                   </a:extLst>
                 </a:gridCol>
                 <a:gridCol w="829385">
                   <a:extLst>
                     <a:ext uri="{9D8B030D-6E8A-4147-A177-3AD203B41FA5}">
-                      <a16:colId xmlns:a16="http://schemas.microsoft.com/office/drawing/2014/main" xmlns="" val="1320773274"/>
+                      <a16:colId xmlns="" xmlns:a16="http://schemas.microsoft.com/office/drawing/2014/main" val="1320773274"/>
                     </a:ext>
                   </a:extLst>
                 </a:gridCol>
                 <a:gridCol w="829385">
                   <a:extLst>
                     <a:ext uri="{9D8B030D-6E8A-4147-A177-3AD203B41FA5}">
-                      <a16:colId xmlns:a16="http://schemas.microsoft.com/office/drawing/2014/main" xmlns="" val="2165596753"/>
+                      <a16:colId xmlns="" xmlns:a16="http://schemas.microsoft.com/office/drawing/2014/main" val="2165596753"/>
                     </a:ext>
                   </a:extLst>
                 </a:gridCol>
                 <a:gridCol w="829385">
                   <a:extLst>
                     <a:ext uri="{9D8B030D-6E8A-4147-A177-3AD203B41FA5}">
-                      <a16:colId xmlns:a16="http://schemas.microsoft.com/office/drawing/2014/main" xmlns="" val="2980757339"/>
+                      <a16:colId xmlns="" xmlns:a16="http://schemas.microsoft.com/office/drawing/2014/main" val="2980757339"/>
                     </a:ext>
                   </a:extLst>
                 </a:gridCol>
                 <a:gridCol w="829385">
                   <a:extLst>
                     <a:ext uri="{9D8B030D-6E8A-4147-A177-3AD203B41FA5}">
-                      <a16:colId xmlns:a16="http://schemas.microsoft.com/office/drawing/2014/main" xmlns="" val="3456044090"/>
+                      <a16:colId xmlns="" xmlns:a16="http://schemas.microsoft.com/office/drawing/2014/main" val="3456044090"/>
                     </a:ext>
                   </a:extLst>
                 </a:gridCol>
                 <a:gridCol w="829385">
                   <a:extLst>
                     <a:ext uri="{9D8B030D-6E8A-4147-A177-3AD203B41FA5}">
-                      <a16:colId xmlns:a16="http://schemas.microsoft.com/office/drawing/2014/main" xmlns="" val="3778878860"/>
+                      <a16:colId xmlns="" xmlns:a16="http://schemas.microsoft.com/office/drawing/2014/main" val="3778878860"/>
                     </a:ext>
                   </a:extLst>
                 </a:gridCol>
@@ -34596,7 +34596,7 @@
                 </a:tc>
                 <a:extLst>
                   <a:ext uri="{0D108BD9-81ED-4DB2-BD59-A6C34878D82A}">
-                    <a16:rowId xmlns:a16="http://schemas.microsoft.com/office/drawing/2014/main" xmlns="" val="1416552582"/>
+                    <a16:rowId xmlns="" xmlns:a16="http://schemas.microsoft.com/office/drawing/2014/main" val="1416552582"/>
                   </a:ext>
                 </a:extLst>
               </a:tr>
@@ -34632,56 +34632,56 @@
                 <a:gridCol w="829385">
                   <a:extLst>
                     <a:ext uri="{9D8B030D-6E8A-4147-A177-3AD203B41FA5}">
-                      <a16:colId xmlns:a16="http://schemas.microsoft.com/office/drawing/2014/main" xmlns="" val="3437578281"/>
+                      <a16:colId xmlns="" xmlns:a16="http://schemas.microsoft.com/office/drawing/2014/main" val="3437578281"/>
                     </a:ext>
                   </a:extLst>
                 </a:gridCol>
                 <a:gridCol w="829385">
                   <a:extLst>
                     <a:ext uri="{9D8B030D-6E8A-4147-A177-3AD203B41FA5}">
-                      <a16:colId xmlns:a16="http://schemas.microsoft.com/office/drawing/2014/main" xmlns="" val="187010217"/>
+                      <a16:colId xmlns="" xmlns:a16="http://schemas.microsoft.com/office/drawing/2014/main" val="187010217"/>
                     </a:ext>
                   </a:extLst>
                 </a:gridCol>
                 <a:gridCol w="829385">
                   <a:extLst>
                     <a:ext uri="{9D8B030D-6E8A-4147-A177-3AD203B41FA5}">
-                      <a16:colId xmlns:a16="http://schemas.microsoft.com/office/drawing/2014/main" xmlns="" val="36786362"/>
+                      <a16:colId xmlns="" xmlns:a16="http://schemas.microsoft.com/office/drawing/2014/main" val="36786362"/>
                     </a:ext>
                   </a:extLst>
                 </a:gridCol>
                 <a:gridCol w="829385">
                   <a:extLst>
                     <a:ext uri="{9D8B030D-6E8A-4147-A177-3AD203B41FA5}">
-                      <a16:colId xmlns:a16="http://schemas.microsoft.com/office/drawing/2014/main" xmlns="" val="1320773274"/>
+                      <a16:colId xmlns="" xmlns:a16="http://schemas.microsoft.com/office/drawing/2014/main" val="1320773274"/>
                     </a:ext>
                   </a:extLst>
                 </a:gridCol>
                 <a:gridCol w="829385">
                   <a:extLst>
                     <a:ext uri="{9D8B030D-6E8A-4147-A177-3AD203B41FA5}">
-                      <a16:colId xmlns:a16="http://schemas.microsoft.com/office/drawing/2014/main" xmlns="" val="2165596753"/>
+                      <a16:colId xmlns="" xmlns:a16="http://schemas.microsoft.com/office/drawing/2014/main" val="2165596753"/>
                     </a:ext>
                   </a:extLst>
                 </a:gridCol>
                 <a:gridCol w="829385">
                   <a:extLst>
                     <a:ext uri="{9D8B030D-6E8A-4147-A177-3AD203B41FA5}">
-                      <a16:colId xmlns:a16="http://schemas.microsoft.com/office/drawing/2014/main" xmlns="" val="2980757339"/>
+                      <a16:colId xmlns="" xmlns:a16="http://schemas.microsoft.com/office/drawing/2014/main" val="2980757339"/>
                     </a:ext>
                   </a:extLst>
                 </a:gridCol>
                 <a:gridCol w="829385">
                   <a:extLst>
                     <a:ext uri="{9D8B030D-6E8A-4147-A177-3AD203B41FA5}">
-                      <a16:colId xmlns:a16="http://schemas.microsoft.com/office/drawing/2014/main" xmlns="" val="3456044090"/>
+                      <a16:colId xmlns="" xmlns:a16="http://schemas.microsoft.com/office/drawing/2014/main" val="3456044090"/>
                     </a:ext>
                   </a:extLst>
                 </a:gridCol>
                 <a:gridCol w="829385">
                   <a:extLst>
                     <a:ext uri="{9D8B030D-6E8A-4147-A177-3AD203B41FA5}">
-                      <a16:colId xmlns:a16="http://schemas.microsoft.com/office/drawing/2014/main" xmlns="" val="3778878860"/>
+                      <a16:colId xmlns="" xmlns:a16="http://schemas.microsoft.com/office/drawing/2014/main" val="3778878860"/>
                     </a:ext>
                   </a:extLst>
                 </a:gridCol>
@@ -34865,7 +34865,7 @@
                 </a:tc>
                 <a:extLst>
                   <a:ext uri="{0D108BD9-81ED-4DB2-BD59-A6C34878D82A}">
-                    <a16:rowId xmlns:a16="http://schemas.microsoft.com/office/drawing/2014/main" xmlns="" val="1416552582"/>
+                    <a16:rowId xmlns="" xmlns:a16="http://schemas.microsoft.com/office/drawing/2014/main" val="1416552582"/>
                   </a:ext>
                 </a:extLst>
               </a:tr>
@@ -34901,56 +34901,56 @@
                 <a:gridCol w="829385">
                   <a:extLst>
                     <a:ext uri="{9D8B030D-6E8A-4147-A177-3AD203B41FA5}">
-                      <a16:colId xmlns:a16="http://schemas.microsoft.com/office/drawing/2014/main" xmlns="" val="3437578281"/>
+                      <a16:colId xmlns="" xmlns:a16="http://schemas.microsoft.com/office/drawing/2014/main" val="3437578281"/>
                     </a:ext>
                   </a:extLst>
                 </a:gridCol>
                 <a:gridCol w="829385">
                   <a:extLst>
                     <a:ext uri="{9D8B030D-6E8A-4147-A177-3AD203B41FA5}">
-                      <a16:colId xmlns:a16="http://schemas.microsoft.com/office/drawing/2014/main" xmlns="" val="187010217"/>
+                      <a16:colId xmlns="" xmlns:a16="http://schemas.microsoft.com/office/drawing/2014/main" val="187010217"/>
                     </a:ext>
                   </a:extLst>
                 </a:gridCol>
                 <a:gridCol w="829385">
                   <a:extLst>
                     <a:ext uri="{9D8B030D-6E8A-4147-A177-3AD203B41FA5}">
-                      <a16:colId xmlns:a16="http://schemas.microsoft.com/office/drawing/2014/main" xmlns="" val="36786362"/>
+                      <a16:colId xmlns="" xmlns:a16="http://schemas.microsoft.com/office/drawing/2014/main" val="36786362"/>
                     </a:ext>
                   </a:extLst>
                 </a:gridCol>
                 <a:gridCol w="829385">
                   <a:extLst>
                     <a:ext uri="{9D8B030D-6E8A-4147-A177-3AD203B41FA5}">
-                      <a16:colId xmlns:a16="http://schemas.microsoft.com/office/drawing/2014/main" xmlns="" val="1320773274"/>
+                      <a16:colId xmlns="" xmlns:a16="http://schemas.microsoft.com/office/drawing/2014/main" val="1320773274"/>
                     </a:ext>
                   </a:extLst>
                 </a:gridCol>
                 <a:gridCol w="829385">
                   <a:extLst>
                     <a:ext uri="{9D8B030D-6E8A-4147-A177-3AD203B41FA5}">
-                      <a16:colId xmlns:a16="http://schemas.microsoft.com/office/drawing/2014/main" xmlns="" val="2165596753"/>
+                      <a16:colId xmlns="" xmlns:a16="http://schemas.microsoft.com/office/drawing/2014/main" val="2165596753"/>
                     </a:ext>
                   </a:extLst>
                 </a:gridCol>
                 <a:gridCol w="829385">
                   <a:extLst>
                     <a:ext uri="{9D8B030D-6E8A-4147-A177-3AD203B41FA5}">
-                      <a16:colId xmlns:a16="http://schemas.microsoft.com/office/drawing/2014/main" xmlns="" val="2980757339"/>
+                      <a16:colId xmlns="" xmlns:a16="http://schemas.microsoft.com/office/drawing/2014/main" val="2980757339"/>
                     </a:ext>
                   </a:extLst>
                 </a:gridCol>
                 <a:gridCol w="829385">
                   <a:extLst>
                     <a:ext uri="{9D8B030D-6E8A-4147-A177-3AD203B41FA5}">
-                      <a16:colId xmlns:a16="http://schemas.microsoft.com/office/drawing/2014/main" xmlns="" val="3456044090"/>
+                      <a16:colId xmlns="" xmlns:a16="http://schemas.microsoft.com/office/drawing/2014/main" val="3456044090"/>
                     </a:ext>
                   </a:extLst>
                 </a:gridCol>
                 <a:gridCol w="829385">
                   <a:extLst>
                     <a:ext uri="{9D8B030D-6E8A-4147-A177-3AD203B41FA5}">
-                      <a16:colId xmlns:a16="http://schemas.microsoft.com/office/drawing/2014/main" xmlns="" val="3778878860"/>
+                      <a16:colId xmlns="" xmlns:a16="http://schemas.microsoft.com/office/drawing/2014/main" val="3778878860"/>
                     </a:ext>
                   </a:extLst>
                 </a:gridCol>
@@ -35134,7 +35134,7 @@
                 </a:tc>
                 <a:extLst>
                   <a:ext uri="{0D108BD9-81ED-4DB2-BD59-A6C34878D82A}">
-                    <a16:rowId xmlns:a16="http://schemas.microsoft.com/office/drawing/2014/main" xmlns="" val="1416552582"/>
+                    <a16:rowId xmlns="" xmlns:a16="http://schemas.microsoft.com/office/drawing/2014/main" val="1416552582"/>
                   </a:ext>
                 </a:extLst>
               </a:tr>
@@ -35170,56 +35170,56 @@
                 <a:gridCol w="829385">
                   <a:extLst>
                     <a:ext uri="{9D8B030D-6E8A-4147-A177-3AD203B41FA5}">
-                      <a16:colId xmlns:a16="http://schemas.microsoft.com/office/drawing/2014/main" xmlns="" val="3437578281"/>
+                      <a16:colId xmlns="" xmlns:a16="http://schemas.microsoft.com/office/drawing/2014/main" val="3437578281"/>
                     </a:ext>
                   </a:extLst>
                 </a:gridCol>
                 <a:gridCol w="829385">
                   <a:extLst>
                     <a:ext uri="{9D8B030D-6E8A-4147-A177-3AD203B41FA5}">
-                      <a16:colId xmlns:a16="http://schemas.microsoft.com/office/drawing/2014/main" xmlns="" val="187010217"/>
+                      <a16:colId xmlns="" xmlns:a16="http://schemas.microsoft.com/office/drawing/2014/main" val="187010217"/>
                     </a:ext>
                   </a:extLst>
                 </a:gridCol>
                 <a:gridCol w="829385">
                   <a:extLst>
                     <a:ext uri="{9D8B030D-6E8A-4147-A177-3AD203B41FA5}">
-                      <a16:colId xmlns:a16="http://schemas.microsoft.com/office/drawing/2014/main" xmlns="" val="36786362"/>
+                      <a16:colId xmlns="" xmlns:a16="http://schemas.microsoft.com/office/drawing/2014/main" val="36786362"/>
                     </a:ext>
                   </a:extLst>
                 </a:gridCol>
                 <a:gridCol w="829385">
                   <a:extLst>
                     <a:ext uri="{9D8B030D-6E8A-4147-A177-3AD203B41FA5}">
-                      <a16:colId xmlns:a16="http://schemas.microsoft.com/office/drawing/2014/main" xmlns="" val="1320773274"/>
+                      <a16:colId xmlns="" xmlns:a16="http://schemas.microsoft.com/office/drawing/2014/main" val="1320773274"/>
                     </a:ext>
                   </a:extLst>
                 </a:gridCol>
                 <a:gridCol w="829385">
                   <a:extLst>
                     <a:ext uri="{9D8B030D-6E8A-4147-A177-3AD203B41FA5}">
-                      <a16:colId xmlns:a16="http://schemas.microsoft.com/office/drawing/2014/main" xmlns="" val="2165596753"/>
+                      <a16:colId xmlns="" xmlns:a16="http://schemas.microsoft.com/office/drawing/2014/main" val="2165596753"/>
                     </a:ext>
                   </a:extLst>
                 </a:gridCol>
                 <a:gridCol w="829385">
                   <a:extLst>
                     <a:ext uri="{9D8B030D-6E8A-4147-A177-3AD203B41FA5}">
-                      <a16:colId xmlns:a16="http://schemas.microsoft.com/office/drawing/2014/main" xmlns="" val="2980757339"/>
+                      <a16:colId xmlns="" xmlns:a16="http://schemas.microsoft.com/office/drawing/2014/main" val="2980757339"/>
                     </a:ext>
                   </a:extLst>
                 </a:gridCol>
                 <a:gridCol w="829385">
                   <a:extLst>
                     <a:ext uri="{9D8B030D-6E8A-4147-A177-3AD203B41FA5}">
-                      <a16:colId xmlns:a16="http://schemas.microsoft.com/office/drawing/2014/main" xmlns="" val="3456044090"/>
+                      <a16:colId xmlns="" xmlns:a16="http://schemas.microsoft.com/office/drawing/2014/main" val="3456044090"/>
                     </a:ext>
                   </a:extLst>
                 </a:gridCol>
                 <a:gridCol w="829385">
                   <a:extLst>
                     <a:ext uri="{9D8B030D-6E8A-4147-A177-3AD203B41FA5}">
-                      <a16:colId xmlns:a16="http://schemas.microsoft.com/office/drawing/2014/main" xmlns="" val="3778878860"/>
+                      <a16:colId xmlns="" xmlns:a16="http://schemas.microsoft.com/office/drawing/2014/main" val="3778878860"/>
                     </a:ext>
                   </a:extLst>
                 </a:gridCol>
@@ -35404,7 +35404,7 @@
                 </a:tc>
                 <a:extLst>
                   <a:ext uri="{0D108BD9-81ED-4DB2-BD59-A6C34878D82A}">
-                    <a16:rowId xmlns:a16="http://schemas.microsoft.com/office/drawing/2014/main" xmlns="" val="1416552582"/>
+                    <a16:rowId xmlns="" xmlns:a16="http://schemas.microsoft.com/office/drawing/2014/main" val="1416552582"/>
                   </a:ext>
                 </a:extLst>
               </a:tr>
@@ -35470,56 +35470,56 @@
                 <a:gridCol w="829385">
                   <a:extLst>
                     <a:ext uri="{9D8B030D-6E8A-4147-A177-3AD203B41FA5}">
-                      <a16:colId xmlns:a16="http://schemas.microsoft.com/office/drawing/2014/main" xmlns="" val="3437578281"/>
+                      <a16:colId xmlns="" xmlns:a16="http://schemas.microsoft.com/office/drawing/2014/main" val="3437578281"/>
                     </a:ext>
                   </a:extLst>
                 </a:gridCol>
                 <a:gridCol w="829385">
                   <a:extLst>
                     <a:ext uri="{9D8B030D-6E8A-4147-A177-3AD203B41FA5}">
-                      <a16:colId xmlns:a16="http://schemas.microsoft.com/office/drawing/2014/main" xmlns="" val="187010217"/>
+                      <a16:colId xmlns="" xmlns:a16="http://schemas.microsoft.com/office/drawing/2014/main" val="187010217"/>
                     </a:ext>
                   </a:extLst>
                 </a:gridCol>
                 <a:gridCol w="829385">
                   <a:extLst>
                     <a:ext uri="{9D8B030D-6E8A-4147-A177-3AD203B41FA5}">
-                      <a16:colId xmlns:a16="http://schemas.microsoft.com/office/drawing/2014/main" xmlns="" val="36786362"/>
+                      <a16:colId xmlns="" xmlns:a16="http://schemas.microsoft.com/office/drawing/2014/main" val="36786362"/>
                     </a:ext>
                   </a:extLst>
                 </a:gridCol>
                 <a:gridCol w="829385">
                   <a:extLst>
                     <a:ext uri="{9D8B030D-6E8A-4147-A177-3AD203B41FA5}">
-                      <a16:colId xmlns:a16="http://schemas.microsoft.com/office/drawing/2014/main" xmlns="" val="1320773274"/>
+                      <a16:colId xmlns="" xmlns:a16="http://schemas.microsoft.com/office/drawing/2014/main" val="1320773274"/>
                     </a:ext>
                   </a:extLst>
                 </a:gridCol>
                 <a:gridCol w="829385">
                   <a:extLst>
                     <a:ext uri="{9D8B030D-6E8A-4147-A177-3AD203B41FA5}">
-                      <a16:colId xmlns:a16="http://schemas.microsoft.com/office/drawing/2014/main" xmlns="" val="2165596753"/>
+                      <a16:colId xmlns="" xmlns:a16="http://schemas.microsoft.com/office/drawing/2014/main" val="2165596753"/>
                     </a:ext>
                   </a:extLst>
                 </a:gridCol>
                 <a:gridCol w="829385">
                   <a:extLst>
                     <a:ext uri="{9D8B030D-6E8A-4147-A177-3AD203B41FA5}">
-                      <a16:colId xmlns:a16="http://schemas.microsoft.com/office/drawing/2014/main" xmlns="" val="2980757339"/>
+                      <a16:colId xmlns="" xmlns:a16="http://schemas.microsoft.com/office/drawing/2014/main" val="2980757339"/>
                     </a:ext>
                   </a:extLst>
                 </a:gridCol>
                 <a:gridCol w="829385">
                   <a:extLst>
                     <a:ext uri="{9D8B030D-6E8A-4147-A177-3AD203B41FA5}">
-                      <a16:colId xmlns:a16="http://schemas.microsoft.com/office/drawing/2014/main" xmlns="" val="3456044090"/>
+                      <a16:colId xmlns="" xmlns:a16="http://schemas.microsoft.com/office/drawing/2014/main" val="3456044090"/>
                     </a:ext>
                   </a:extLst>
                 </a:gridCol>
                 <a:gridCol w="829385">
                   <a:extLst>
                     <a:ext uri="{9D8B030D-6E8A-4147-A177-3AD203B41FA5}">
-                      <a16:colId xmlns:a16="http://schemas.microsoft.com/office/drawing/2014/main" xmlns="" val="3778878860"/>
+                      <a16:colId xmlns="" xmlns:a16="http://schemas.microsoft.com/office/drawing/2014/main" val="3778878860"/>
                     </a:ext>
                   </a:extLst>
                 </a:gridCol>
@@ -35703,7 +35703,7 @@
                 </a:tc>
                 <a:extLst>
                   <a:ext uri="{0D108BD9-81ED-4DB2-BD59-A6C34878D82A}">
-                    <a16:rowId xmlns:a16="http://schemas.microsoft.com/office/drawing/2014/main" xmlns="" val="1416552582"/>
+                    <a16:rowId xmlns="" xmlns:a16="http://schemas.microsoft.com/office/drawing/2014/main" val="1416552582"/>
                   </a:ext>
                 </a:extLst>
               </a:tr>
